--- a/자료/자료구조설계 개인 프로젝트_조립 PC 견적 추천 프로그램_solutuion.pptx
+++ b/자료/자료구조설계 개인 프로젝트_조립 PC 견적 추천 프로그램_solutuion.pptx
@@ -2,20 +2,20 @@
 <file path=ppt/presentation.xml><?xml version="1.0" encoding="utf-8"?>
 <p:presentation xmlns:a="http://schemas.openxmlformats.org/drawingml/2006/main" xmlns:r="http://schemas.openxmlformats.org/officeDocument/2006/relationships" xmlns:p="http://schemas.openxmlformats.org/presentationml/2006/main" xmlns:p14="http://schemas.microsoft.com/office/powerpoint/2010/main" saveSubsetFonts="1">
   <p:sldMasterIdLst>
-    <p:sldMasterId id="2147483871" r:id="rId13"/>
+    <p:sldMasterId id="2147483874" r:id="rId13"/>
   </p:sldMasterIdLst>
   <p:sldIdLst>
     <p:sldId id="256" r:id="rId15"/>
     <p:sldId id="265" r:id="rId16"/>
     <p:sldId id="263" r:id="rId17"/>
-    <p:sldId id="258" r:id="rId18"/>
-    <p:sldId id="266" r:id="rId19"/>
-    <p:sldId id="260" r:id="rId20"/>
-    <p:sldId id="262" r:id="rId21"/>
-    <p:sldId id="267" r:id="rId22"/>
-    <p:sldId id="268" r:id="rId23"/>
-    <p:sldId id="270" r:id="rId24"/>
-    <p:sldId id="269" r:id="rId25"/>
+    <p:sldId id="268" r:id="rId18"/>
+    <p:sldId id="270" r:id="rId19"/>
+    <p:sldId id="269" r:id="rId20"/>
+    <p:sldId id="258" r:id="rId21"/>
+    <p:sldId id="266" r:id="rId22"/>
+    <p:sldId id="260" r:id="rId23"/>
+    <p:sldId id="262" r:id="rId24"/>
+    <p:sldId id="267" r:id="rId25"/>
   </p:sldIdLst>
   <p:sldSz cx="12192000" cy="6858000"/>
   <p:notesSz cx="6858000" cy="9144000"/>
@@ -4813,6 +4813,2043 @@
 </file>
 
 <file path=ppt/slides/slide10.xml><?xml version="1.0" encoding="utf-8"?>
+<p:sld xmlns:a="http://schemas.openxmlformats.org/drawingml/2006/main" xmlns:r="http://schemas.openxmlformats.org/officeDocument/2006/relationships" xmlns:p="http://schemas.openxmlformats.org/presentationml/2006/main" xmlns:p14="http://schemas.microsoft.com/office/powerpoint/2010/main">
+  <p:cSld>
+    <p:spTree>
+      <p:nvGrpSpPr>
+        <p:cNvPr id="1" name=""/>
+        <p:cNvGrpSpPr/>
+        <p:nvPr/>
+      </p:nvGrpSpPr>
+      <p:grpSpPr>
+        <a:xfrm>
+          <a:off x="0" y="0"/>
+          <a:ext cx="0" cy="0"/>
+          <a:chOff x="0" y="0"/>
+          <a:chExt cx="0" cy="0"/>
+        </a:xfrm>
+      </p:grpSpPr>
+      <p:sp>
+        <p:nvSpPr>
+          <p:cNvPr id="2" name="텍스트 개체 틀 1"/>
+          <p:cNvSpPr txBox="1">
+            <a:spLocks/>
+          </p:cNvSpPr>
+          <p:nvPr>
+            <p:ph type="title"/>
+          </p:nvPr>
+        </p:nvSpPr>
+        <p:spPr>
+          <a:xfrm rot="0">
+            <a:off x="838200" y="365125"/>
+            <a:ext cx="10516235" cy="1326515"/>
+          </a:xfrm>
+          <a:prstGeom prst="rect"/>
+        </p:spPr>
+        <p:txBody>
+          <a:bodyPr wrap="square" lIns="91440" tIns="45720" rIns="91440" bIns="45720" numCol="1" vert="horz" anchor="ctr">
+            <a:normAutofit fontScale="100000" lnSpcReduction="0"/>
+          </a:bodyPr>
+          <a:lstStyle/>
+          <a:p>
+            <a:pPr marL="0" indent="0" algn="l" fontAlgn="auto" defTabSz="914400">
+              <a:lnSpc>
+                <a:spcPct val="90000"/>
+              </a:lnSpc>
+              <a:spcBef>
+                <a:spcPts val="0"/>
+              </a:spcBef>
+              <a:spcAft>
+                <a:spcPts val="0"/>
+              </a:spcAft>
+              <a:buFontTx/>
+              <a:buNone/>
+            </a:pPr>
+            <a:r>
+              <a:rPr lang="en-US" altLang="ko-KR" sz="4400" cap="none" dirty="0" smtClean="0" b="0" strike="noStrike">
+                <a:solidFill>
+                  <a:schemeClr val="tx1"/>
+                </a:solidFill>
+                <a:latin typeface="맑은 고딕" charset="0"/>
+                <a:ea typeface="맑은 고딕" charset="0"/>
+              </a:rPr>
+              <a:t>Main Board</a:t>
+            </a:r>
+            <a:endParaRPr lang="ko-KR" altLang="en-US" sz="4400" cap="none" dirty="0" smtClean="0" b="0" strike="noStrike">
+              <a:solidFill>
+                <a:schemeClr val="tx1"/>
+              </a:solidFill>
+              <a:latin typeface="맑은 고딕" charset="0"/>
+              <a:ea typeface="맑은 고딕" charset="0"/>
+            </a:endParaRPr>
+          </a:p>
+        </p:txBody>
+      </p:sp>
+      <p:sp>
+        <p:nvSpPr>
+          <p:cNvPr id="3" name="내용 개체 틀 2"/>
+          <p:cNvSpPr txBox="1">
+            <a:spLocks/>
+          </p:cNvSpPr>
+          <p:nvPr>
+            <p:ph type="obj" idx="1"/>
+          </p:nvPr>
+        </p:nvSpPr>
+        <p:spPr>
+          <a:xfrm>
+            <a:off x="838200" y="1825625"/>
+            <a:ext cx="10517505" cy="4353560"/>
+          </a:xfrm>
+          <a:prstGeom prst="rect"/>
+        </p:spPr>
+        <p:txBody>
+          <a:bodyPr wrap="square" lIns="91440" tIns="45720" rIns="91440" bIns="45720" numCol="1" vert="horz" anchor="t">
+            <a:normAutofit fontScale="100000" lnSpcReduction="0"/>
+          </a:bodyPr>
+          <a:lstStyle/>
+          <a:p>
+            <a:pPr marL="228600" indent="-228600" algn="l" fontAlgn="auto" defTabSz="914400" eaLnBrk="0">
+              <a:lnSpc>
+                <a:spcPct val="90000"/>
+              </a:lnSpc>
+              <a:spcBef>
+                <a:spcPts val="1000"/>
+              </a:spcBef>
+              <a:spcAft>
+                <a:spcPts val="0"/>
+              </a:spcAft>
+              <a:buClr>
+                <a:srgbClr val="404040"/>
+              </a:buClr>
+              <a:buFont typeface="맑은 고딕"/>
+              <a:buChar char="•"/>
+            </a:pPr>
+            <a:r>
+              <a:rPr lang="en-US" altLang="ko-KR" sz="2800" cap="none" dirty="0" smtClean="0" b="0" strike="noStrike">
+                <a:solidFill>
+                  <a:schemeClr val="tx1">
+                    <a:lumMod val="75000"/>
+                    <a:lumOff val="25000"/>
+                  </a:schemeClr>
+                </a:solidFill>
+                <a:latin typeface="맑은 고딕" charset="0"/>
+                <a:ea typeface="맑은 고딕" charset="0"/>
+              </a:rPr>
+              <a:t>벤치마크 점수 보다 CPU와 GPU, 메모리카드(RAM)와 호환성이 더 중요</a:t>
+            </a:r>
+            <a:endParaRPr lang="ko-KR" altLang="en-US" sz="2800" cap="none" dirty="0" smtClean="0" b="0" strike="noStrike">
+              <a:solidFill>
+                <a:schemeClr val="tx1">
+                  <a:lumMod val="75000"/>
+                  <a:lumOff val="25000"/>
+                </a:schemeClr>
+              </a:solidFill>
+              <a:latin typeface="맑은 고딕" charset="0"/>
+              <a:ea typeface="맑은 고딕" charset="0"/>
+            </a:endParaRPr>
+          </a:p>
+          <a:p>
+            <a:pPr marL="228600" indent="-228600" algn="l" fontAlgn="auto" defTabSz="914400" eaLnBrk="0">
+              <a:lnSpc>
+                <a:spcPct val="90000"/>
+              </a:lnSpc>
+              <a:spcBef>
+                <a:spcPts val="1000"/>
+              </a:spcBef>
+              <a:spcAft>
+                <a:spcPts val="0"/>
+              </a:spcAft>
+              <a:buClr>
+                <a:srgbClr val="404040"/>
+              </a:buClr>
+              <a:buFont typeface="맑은 고딕"/>
+              <a:buChar char="•"/>
+            </a:pPr>
+            <a:endParaRPr lang="ko-KR" altLang="en-US" sz="2800" cap="none" dirty="0" smtClean="0" b="0" strike="noStrike">
+              <a:solidFill>
+                <a:schemeClr val="tx1">
+                  <a:lumMod val="75000"/>
+                  <a:lumOff val="25000"/>
+                </a:schemeClr>
+              </a:solidFill>
+              <a:latin typeface="맑은 고딕" charset="0"/>
+              <a:ea typeface="맑은 고딕" charset="0"/>
+            </a:endParaRPr>
+          </a:p>
+          <a:p>
+            <a:pPr marL="228600" indent="-228600" algn="l" fontAlgn="auto" defTabSz="914400" eaLnBrk="0">
+              <a:lnSpc>
+                <a:spcPct val="90000"/>
+              </a:lnSpc>
+              <a:spcBef>
+                <a:spcPts val="1000"/>
+              </a:spcBef>
+              <a:spcAft>
+                <a:spcPts val="0"/>
+              </a:spcAft>
+              <a:buClr>
+                <a:srgbClr val="404040"/>
+              </a:buClr>
+              <a:buFont typeface="맑은 고딕"/>
+              <a:buChar char="•"/>
+            </a:pPr>
+            <a:r>
+              <a:rPr lang="en-US" altLang="ko-KR" sz="2800" cap="none" dirty="0" smtClean="0" b="0" strike="noStrike">
+                <a:solidFill>
+                  <a:schemeClr val="tx1">
+                    <a:lumMod val="75000"/>
+                    <a:lumOff val="25000"/>
+                  </a:schemeClr>
+                </a:solidFill>
+                <a:latin typeface="맑은 고딕" charset="0"/>
+                <a:ea typeface="맑은 고딕" charset="0"/>
+              </a:rPr>
+              <a:t>세부 칩셋 (H310, B360, Z370...)</a:t>
+            </a:r>
+            <a:endParaRPr lang="ko-KR" altLang="en-US" sz="2800" cap="none" dirty="0" smtClean="0" b="0" strike="noStrike">
+              <a:solidFill>
+                <a:schemeClr val="tx1">
+                  <a:lumMod val="75000"/>
+                  <a:lumOff val="25000"/>
+                </a:schemeClr>
+              </a:solidFill>
+              <a:latin typeface="맑은 고딕" charset="0"/>
+              <a:ea typeface="맑은 고딕" charset="0"/>
+            </a:endParaRPr>
+          </a:p>
+          <a:p>
+            <a:pPr marL="228600" indent="-228600" algn="l" fontAlgn="auto" defTabSz="914400" eaLnBrk="0">
+              <a:lnSpc>
+                <a:spcPct val="90000"/>
+              </a:lnSpc>
+              <a:spcBef>
+                <a:spcPts val="1000"/>
+              </a:spcBef>
+              <a:spcAft>
+                <a:spcPts val="0"/>
+              </a:spcAft>
+              <a:buClr>
+                <a:srgbClr val="404040"/>
+              </a:buClr>
+              <a:buFont typeface="맑은 고딕"/>
+              <a:buChar char="•"/>
+            </a:pPr>
+            <a:r>
+              <a:rPr lang="en-US" altLang="ko-KR" sz="2800" cap="none" dirty="0" smtClean="0" b="0" strike="noStrike">
+                <a:solidFill>
+                  <a:schemeClr val="tx1">
+                    <a:lumMod val="75000"/>
+                    <a:lumOff val="25000"/>
+                  </a:schemeClr>
+                </a:solidFill>
+                <a:latin typeface="맑은 고딕" charset="0"/>
+                <a:ea typeface="맑은 고딕" charset="0"/>
+              </a:rPr>
+              <a:t>오버클럭을 포함한 부가 기능</a:t>
+            </a:r>
+            <a:endParaRPr lang="ko-KR" altLang="en-US" sz="2800" cap="none" dirty="0" smtClean="0" b="0" strike="noStrike">
+              <a:solidFill>
+                <a:schemeClr val="tx1">
+                  <a:lumMod val="75000"/>
+                  <a:lumOff val="25000"/>
+                </a:schemeClr>
+              </a:solidFill>
+              <a:latin typeface="맑은 고딕" charset="0"/>
+              <a:ea typeface="맑은 고딕" charset="0"/>
+            </a:endParaRPr>
+          </a:p>
+          <a:p>
+            <a:pPr marL="228600" indent="-228600" algn="l" fontAlgn="auto" defTabSz="914400" eaLnBrk="0">
+              <a:lnSpc>
+                <a:spcPct val="90000"/>
+              </a:lnSpc>
+              <a:spcBef>
+                <a:spcPts val="1000"/>
+              </a:spcBef>
+              <a:spcAft>
+                <a:spcPts val="0"/>
+              </a:spcAft>
+              <a:buClr>
+                <a:srgbClr val="404040"/>
+              </a:buClr>
+              <a:buFont typeface="맑은 고딕"/>
+              <a:buChar char="•"/>
+            </a:pPr>
+            <a:r>
+              <a:rPr lang="en-US" altLang="ko-KR" sz="2800" cap="none" dirty="0" smtClean="0" b="0" strike="noStrike">
+                <a:solidFill>
+                  <a:schemeClr val="tx1">
+                    <a:lumMod val="75000"/>
+                    <a:lumOff val="25000"/>
+                  </a:schemeClr>
+                </a:solidFill>
+                <a:latin typeface="맑은 고딕" charset="0"/>
+                <a:ea typeface="맑은 고딕" charset="0"/>
+              </a:rPr>
+              <a:t>지원하는 램 클럭수(2400Mhz ~ 4000Mhz)</a:t>
+            </a:r>
+            <a:endParaRPr lang="ko-KR" altLang="en-US" sz="2800" cap="none" dirty="0" smtClean="0" b="0" strike="noStrike">
+              <a:solidFill>
+                <a:schemeClr val="tx1">
+                  <a:lumMod val="75000"/>
+                  <a:lumOff val="25000"/>
+                </a:schemeClr>
+              </a:solidFill>
+              <a:latin typeface="맑은 고딕" charset="0"/>
+              <a:ea typeface="맑은 고딕" charset="0"/>
+            </a:endParaRPr>
+          </a:p>
+          <a:p>
+            <a:pPr marL="228600" indent="-228600" algn="l" fontAlgn="auto" defTabSz="914400" eaLnBrk="0">
+              <a:lnSpc>
+                <a:spcPct val="90000"/>
+              </a:lnSpc>
+              <a:spcBef>
+                <a:spcPts val="1000"/>
+              </a:spcBef>
+              <a:spcAft>
+                <a:spcPts val="0"/>
+              </a:spcAft>
+              <a:buClr>
+                <a:srgbClr val="404040"/>
+              </a:buClr>
+              <a:buFont typeface="맑은 고딕"/>
+              <a:buChar char="•"/>
+            </a:pPr>
+            <a:r>
+              <a:rPr lang="en-US" altLang="ko-KR" sz="2800" cap="none" dirty="0" smtClean="0" b="0" strike="noStrike">
+                <a:solidFill>
+                  <a:schemeClr val="tx1">
+                    <a:lumMod val="75000"/>
+                    <a:lumOff val="25000"/>
+                  </a:schemeClr>
+                </a:solidFill>
+                <a:latin typeface="맑은 고딕" charset="0"/>
+                <a:ea typeface="맑은 고딕" charset="0"/>
+              </a:rPr>
+              <a:t>메모리 슬롯 갯수</a:t>
+            </a:r>
+            <a:endParaRPr lang="ko-KR" altLang="en-US" sz="2800" cap="none" dirty="0" smtClean="0" b="0" strike="noStrike">
+              <a:solidFill>
+                <a:schemeClr val="tx1">
+                  <a:lumMod val="75000"/>
+                  <a:lumOff val="25000"/>
+                </a:schemeClr>
+              </a:solidFill>
+              <a:latin typeface="맑은 고딕" charset="0"/>
+              <a:ea typeface="맑은 고딕" charset="0"/>
+            </a:endParaRPr>
+          </a:p>
+          <a:p>
+            <a:pPr marL="228600" indent="-228600" algn="l" fontAlgn="auto" defTabSz="914400" eaLnBrk="0">
+              <a:lnSpc>
+                <a:spcPct val="90000"/>
+              </a:lnSpc>
+              <a:spcBef>
+                <a:spcPts val="1000"/>
+              </a:spcBef>
+              <a:spcAft>
+                <a:spcPts val="0"/>
+              </a:spcAft>
+              <a:buClr>
+                <a:srgbClr val="404040"/>
+              </a:buClr>
+              <a:buFont typeface="맑은 고딕"/>
+              <a:buChar char="•"/>
+            </a:pPr>
+            <a:r>
+              <a:rPr lang="en-US" altLang="ko-KR" sz="2800" cap="none" dirty="0" smtClean="0" b="0" strike="noStrike">
+                <a:solidFill>
+                  <a:schemeClr val="tx1">
+                    <a:lumMod val="75000"/>
+                    <a:lumOff val="25000"/>
+                  </a:schemeClr>
+                </a:solidFill>
+                <a:latin typeface="맑은 고딕" charset="0"/>
+                <a:ea typeface="맑은 고딕" charset="0"/>
+              </a:rPr>
+              <a:t>제조사 신뢰도</a:t>
+            </a:r>
+            <a:endParaRPr lang="ko-KR" altLang="en-US" sz="2800" cap="none" dirty="0" smtClean="0" b="0" strike="noStrike">
+              <a:solidFill>
+                <a:schemeClr val="tx1">
+                  <a:lumMod val="75000"/>
+                  <a:lumOff val="25000"/>
+                </a:schemeClr>
+              </a:solidFill>
+              <a:latin typeface="맑은 고딕" charset="0"/>
+              <a:ea typeface="맑은 고딕" charset="0"/>
+            </a:endParaRPr>
+          </a:p>
+        </p:txBody>
+      </p:sp>
+    </p:spTree>
+  </p:cSld>
+  <p:clrMapOvr>
+    <a:masterClrMapping/>
+  </p:clrMapOvr>
+  <mc:AlternateContent xmlns:mc="http://schemas.openxmlformats.org/markup-compatibility/2006">
+    <mc:Choice xmlns:p14="http://schemas.microsoft.com/office/powerpoint/2010/main" Requires="p14">
+      <p:transition spd="slow" p14:dur="1000"/>
+    </mc:Choice>
+    <mc:Fallback>
+      <p:transition spd="slow"/>
+    </mc:Fallback>
+  </mc:AlternateContent>
+  <p:timing>
+    <p:tnLst>
+      <p:par>
+        <p:cTn id="1" dur="indefinite" restart="never" nodeType="tmRoot"/>
+      </p:par>
+    </p:tnLst>
+  </p:timing>
+</p:sld>
+</file>
+
+<file path=ppt/slides/slide11.xml><?xml version="1.0" encoding="utf-8"?>
+<p:sld xmlns:a="http://schemas.openxmlformats.org/drawingml/2006/main" xmlns:r="http://schemas.openxmlformats.org/officeDocument/2006/relationships" xmlns:p="http://schemas.openxmlformats.org/presentationml/2006/main" xmlns:p14="http://schemas.microsoft.com/office/powerpoint/2010/main">
+  <p:cSld>
+    <p:spTree>
+      <p:nvGrpSpPr>
+        <p:cNvPr id="1" name=""/>
+        <p:cNvGrpSpPr/>
+        <p:nvPr/>
+      </p:nvGrpSpPr>
+      <p:grpSpPr>
+        <a:xfrm>
+          <a:off x="0" y="0"/>
+          <a:ext cx="0" cy="0"/>
+          <a:chOff x="0" y="0"/>
+          <a:chExt cx="0" cy="0"/>
+        </a:xfrm>
+      </p:grpSpPr>
+      <p:sp>
+        <p:nvSpPr>
+          <p:cNvPr id="2" name="텍스트 개체 틀 1"/>
+          <p:cNvSpPr txBox="1">
+            <a:spLocks/>
+          </p:cNvSpPr>
+          <p:nvPr>
+            <p:ph type="title"/>
+          </p:nvPr>
+        </p:nvSpPr>
+        <p:spPr>
+          <a:xfrm rot="0">
+            <a:off x="838200" y="365125"/>
+            <a:ext cx="10517505" cy="1327785"/>
+          </a:xfrm>
+          <a:prstGeom prst="rect"/>
+        </p:spPr>
+        <p:txBody>
+          <a:bodyPr wrap="square" lIns="91440" tIns="45720" rIns="91440" bIns="45720" numCol="1" vert="horz" anchor="ctr">
+            <a:normAutofit fontScale="100000" lnSpcReduction="0"/>
+          </a:bodyPr>
+          <a:lstStyle/>
+          <a:p>
+            <a:pPr marL="0" indent="0" algn="l" fontAlgn="auto" defTabSz="914400" eaLnBrk="0">
+              <a:lnSpc>
+                <a:spcPct val="90000"/>
+              </a:lnSpc>
+              <a:spcBef>
+                <a:spcPts val="0"/>
+              </a:spcBef>
+              <a:spcAft>
+                <a:spcPts val="0"/>
+              </a:spcAft>
+              <a:buFontTx/>
+              <a:buNone/>
+            </a:pPr>
+            <a:r>
+              <a:rPr lang="en-US" altLang="ko-KR" sz="4400" cap="none" dirty="0" smtClean="0" b="0" strike="noStrike">
+                <a:latin typeface="맑은 고딕" charset="0"/>
+                <a:ea typeface="맑은 고딕" charset="0"/>
+              </a:rPr>
+              <a:t>기타 부품들</a:t>
+            </a:r>
+            <a:endParaRPr lang="ko-KR" altLang="en-US" sz="4400" cap="none" dirty="0" smtClean="0" b="0" strike="noStrike">
+              <a:latin typeface="맑은 고딕" charset="0"/>
+              <a:ea typeface="맑은 고딕" charset="0"/>
+            </a:endParaRPr>
+          </a:p>
+        </p:txBody>
+      </p:sp>
+      <p:sp>
+        <p:nvSpPr>
+          <p:cNvPr id="3" name="내용 개체 틀 2"/>
+          <p:cNvSpPr txBox="1">
+            <a:spLocks/>
+          </p:cNvSpPr>
+          <p:nvPr>
+            <p:ph type="obj" idx="1"/>
+          </p:nvPr>
+        </p:nvSpPr>
+        <p:spPr>
+          <a:xfrm rot="0">
+            <a:off x="838200" y="1825625"/>
+            <a:ext cx="10517505" cy="4509135"/>
+          </a:xfrm>
+          <a:prstGeom prst="rect"/>
+        </p:spPr>
+        <p:txBody>
+          <a:bodyPr wrap="square" lIns="91440" tIns="45720" rIns="91440" bIns="45720" numCol="1" vert="horz" anchor="t">
+            <a:normAutofit fontScale="100000" lnSpcReduction="0"/>
+          </a:bodyPr>
+          <a:lstStyle/>
+          <a:p>
+            <a:pPr marL="228600" indent="-228600" algn="l" fontAlgn="auto" defTabSz="914400" eaLnBrk="0">
+              <a:lnSpc>
+                <a:spcPct val="90000"/>
+              </a:lnSpc>
+              <a:spcBef>
+                <a:spcPts val="1000"/>
+              </a:spcBef>
+              <a:spcAft>
+                <a:spcPts val="0"/>
+              </a:spcAft>
+              <a:buClr>
+                <a:srgbClr val="404040"/>
+              </a:buClr>
+              <a:buFont typeface="맑은 고딕"/>
+              <a:buChar char="•"/>
+            </a:pPr>
+            <a:r>
+              <a:rPr lang="en-US" altLang="ko-KR" sz="1800" cap="none" dirty="0" smtClean="0" b="0" strike="noStrike">
+                <a:solidFill>
+                  <a:schemeClr val="tx1">
+                    <a:lumMod val="75000"/>
+                    <a:lumOff val="25000"/>
+                  </a:schemeClr>
+                </a:solidFill>
+                <a:latin typeface="맑은 고딕" charset="0"/>
+                <a:ea typeface="맑은 고딕" charset="0"/>
+              </a:rPr>
+              <a:t>기억장치</a:t>
+            </a:r>
+            <a:endParaRPr lang="ko-KR" altLang="en-US" sz="1800" cap="none" dirty="0" smtClean="0" b="0" strike="noStrike">
+              <a:solidFill>
+                <a:schemeClr val="tx1">
+                  <a:lumMod val="75000"/>
+                  <a:lumOff val="25000"/>
+                </a:schemeClr>
+              </a:solidFill>
+              <a:latin typeface="맑은 고딕" charset="0"/>
+              <a:ea typeface="맑은 고딕" charset="0"/>
+            </a:endParaRPr>
+          </a:p>
+          <a:p>
+            <a:pPr marL="457200" indent="0" algn="l" fontAlgn="auto" defTabSz="914400" eaLnBrk="0">
+              <a:lnSpc>
+                <a:spcPct val="90000"/>
+              </a:lnSpc>
+              <a:spcBef>
+                <a:spcPts val="1000"/>
+              </a:spcBef>
+              <a:spcAft>
+                <a:spcPts val="0"/>
+              </a:spcAft>
+              <a:buFontTx/>
+              <a:buNone/>
+            </a:pPr>
+            <a:r>
+              <a:rPr lang="en-US" altLang="ko-KR" sz="1800" cap="none" dirty="0" smtClean="0" b="0" strike="noStrike">
+                <a:solidFill>
+                  <a:schemeClr val="tx1">
+                    <a:lumMod val="75000"/>
+                    <a:lumOff val="25000"/>
+                  </a:schemeClr>
+                </a:solidFill>
+                <a:latin typeface="맑은 고딕" charset="0"/>
+                <a:ea typeface="맑은 고딕" charset="0"/>
+              </a:rPr>
+              <a:t>1. 읽기/쓰기 속도</a:t>
+            </a:r>
+            <a:endParaRPr lang="ko-KR" altLang="en-US" sz="1800" cap="none" dirty="0" smtClean="0" b="0" strike="noStrike">
+              <a:solidFill>
+                <a:schemeClr val="tx1">
+                  <a:lumMod val="75000"/>
+                  <a:lumOff val="25000"/>
+                </a:schemeClr>
+              </a:solidFill>
+              <a:latin typeface="맑은 고딕" charset="0"/>
+              <a:ea typeface="맑은 고딕" charset="0"/>
+            </a:endParaRPr>
+          </a:p>
+          <a:p>
+            <a:pPr marL="457200" indent="0" algn="l" fontAlgn="auto" defTabSz="914400" eaLnBrk="0">
+              <a:lnSpc>
+                <a:spcPct val="90000"/>
+              </a:lnSpc>
+              <a:spcBef>
+                <a:spcPts val="1000"/>
+              </a:spcBef>
+              <a:spcAft>
+                <a:spcPts val="0"/>
+              </a:spcAft>
+              <a:buFontTx/>
+              <a:buNone/>
+            </a:pPr>
+            <a:r>
+              <a:rPr lang="en-US" altLang="ko-KR" sz="1800" cap="none" dirty="0" smtClean="0" b="0" strike="noStrike">
+                <a:solidFill>
+                  <a:schemeClr val="tx1">
+                    <a:lumMod val="75000"/>
+                    <a:lumOff val="25000"/>
+                  </a:schemeClr>
+                </a:solidFill>
+                <a:latin typeface="맑은 고딕" charset="0"/>
+                <a:ea typeface="맑은 고딕" charset="0"/>
+              </a:rPr>
+              <a:t>2. AS 기간</a:t>
+            </a:r>
+            <a:endParaRPr lang="ko-KR" altLang="en-US" sz="1800" cap="none" dirty="0" smtClean="0" b="0" strike="noStrike">
+              <a:solidFill>
+                <a:schemeClr val="tx1">
+                  <a:lumMod val="75000"/>
+                  <a:lumOff val="25000"/>
+                </a:schemeClr>
+              </a:solidFill>
+              <a:latin typeface="맑은 고딕" charset="0"/>
+              <a:ea typeface="맑은 고딕" charset="0"/>
+            </a:endParaRPr>
+          </a:p>
+          <a:p>
+            <a:pPr marL="228600" indent="-228600" algn="l" fontAlgn="auto" defTabSz="914400" eaLnBrk="0">
+              <a:lnSpc>
+                <a:spcPct val="90000"/>
+              </a:lnSpc>
+              <a:spcBef>
+                <a:spcPts val="1000"/>
+              </a:spcBef>
+              <a:spcAft>
+                <a:spcPts val="0"/>
+              </a:spcAft>
+              <a:buClr>
+                <a:srgbClr val="404040"/>
+              </a:buClr>
+              <a:buFont typeface="맑은 고딕"/>
+              <a:buChar char="•"/>
+            </a:pPr>
+            <a:r>
+              <a:rPr lang="en-US" altLang="ko-KR" sz="1800" cap="none" dirty="0" smtClean="0" b="0" strike="noStrike">
+                <a:solidFill>
+                  <a:schemeClr val="tx1">
+                    <a:lumMod val="75000"/>
+                    <a:lumOff val="25000"/>
+                  </a:schemeClr>
+                </a:solidFill>
+                <a:latin typeface="맑은 고딕" charset="0"/>
+                <a:ea typeface="맑은 고딕" charset="0"/>
+              </a:rPr>
+              <a:t>파워</a:t>
+            </a:r>
+            <a:endParaRPr lang="ko-KR" altLang="en-US" sz="1800" cap="none" dirty="0" smtClean="0" b="0" strike="noStrike">
+              <a:solidFill>
+                <a:schemeClr val="tx1">
+                  <a:lumMod val="75000"/>
+                  <a:lumOff val="25000"/>
+                </a:schemeClr>
+              </a:solidFill>
+              <a:latin typeface="맑은 고딕" charset="0"/>
+              <a:ea typeface="맑은 고딕" charset="0"/>
+            </a:endParaRPr>
+          </a:p>
+          <a:p>
+            <a:pPr marL="254000" indent="254000" algn="l" fontAlgn="auto" defTabSz="914400" eaLnBrk="0">
+              <a:lnSpc>
+                <a:spcPct val="90000"/>
+              </a:lnSpc>
+              <a:spcBef>
+                <a:spcPts val="1000"/>
+              </a:spcBef>
+              <a:spcAft>
+                <a:spcPts val="0"/>
+              </a:spcAft>
+              <a:buFontTx/>
+              <a:buNone/>
+            </a:pPr>
+            <a:r>
+              <a:rPr lang="en-US" altLang="ko-KR" sz="1800" cap="none" dirty="0" smtClean="0" b="0" strike="noStrike">
+                <a:solidFill>
+                  <a:schemeClr val="tx1">
+                    <a:lumMod val="75000"/>
+                    <a:lumOff val="25000"/>
+                  </a:schemeClr>
+                </a:solidFill>
+                <a:latin typeface="맑은 고딕" charset="0"/>
+                <a:ea typeface="맑은 고딕" charset="0"/>
+              </a:rPr>
+              <a:t>1. 안정성(신뢰할 수 있는 브랜드, 과전류 방지 회로가 있는가?)</a:t>
+            </a:r>
+            <a:endParaRPr lang="ko-KR" altLang="en-US" sz="1800" cap="none" dirty="0" smtClean="0" b="0" strike="noStrike">
+              <a:solidFill>
+                <a:schemeClr val="tx1">
+                  <a:lumMod val="75000"/>
+                  <a:lumOff val="25000"/>
+                </a:schemeClr>
+              </a:solidFill>
+              <a:latin typeface="맑은 고딕" charset="0"/>
+              <a:ea typeface="맑은 고딕" charset="0"/>
+            </a:endParaRPr>
+          </a:p>
+          <a:p>
+            <a:pPr marL="254000" indent="254000" algn="l" fontAlgn="auto" defTabSz="914400" eaLnBrk="0">
+              <a:lnSpc>
+                <a:spcPct val="90000"/>
+              </a:lnSpc>
+              <a:spcBef>
+                <a:spcPts val="1000"/>
+              </a:spcBef>
+              <a:spcAft>
+                <a:spcPts val="0"/>
+              </a:spcAft>
+              <a:buFontTx/>
+              <a:buNone/>
+            </a:pPr>
+            <a:r>
+              <a:rPr lang="en-US" altLang="ko-KR" sz="1800" cap="none" dirty="0" smtClean="0" b="0" strike="noStrike">
+                <a:solidFill>
+                  <a:schemeClr val="tx1">
+                    <a:lumMod val="75000"/>
+                    <a:lumOff val="25000"/>
+                  </a:schemeClr>
+                </a:solidFill>
+                <a:latin typeface="맑은 고딕" charset="0"/>
+                <a:ea typeface="맑은 고딕" charset="0"/>
+              </a:rPr>
+              <a:t>2. 효율(80 PLUS 인증)</a:t>
+            </a:r>
+            <a:endParaRPr lang="ko-KR" altLang="en-US" sz="1800" cap="none" dirty="0" smtClean="0" b="0" strike="noStrike">
+              <a:solidFill>
+                <a:schemeClr val="tx1">
+                  <a:lumMod val="75000"/>
+                  <a:lumOff val="25000"/>
+                </a:schemeClr>
+              </a:solidFill>
+              <a:latin typeface="맑은 고딕" charset="0"/>
+              <a:ea typeface="맑은 고딕" charset="0"/>
+            </a:endParaRPr>
+          </a:p>
+          <a:p>
+            <a:pPr marL="228600" indent="-228600" algn="l" fontAlgn="auto" defTabSz="914400" eaLnBrk="0">
+              <a:lnSpc>
+                <a:spcPct val="90000"/>
+              </a:lnSpc>
+              <a:spcBef>
+                <a:spcPts val="1000"/>
+              </a:spcBef>
+              <a:spcAft>
+                <a:spcPts val="0"/>
+              </a:spcAft>
+              <a:buClr>
+                <a:srgbClr val="404040"/>
+              </a:buClr>
+              <a:buFont typeface="맑은 고딕"/>
+              <a:buChar char="•"/>
+            </a:pPr>
+            <a:r>
+              <a:rPr lang="en-US" altLang="ko-KR" sz="1800" cap="none" dirty="0" smtClean="0" b="0" strike="noStrike">
+                <a:solidFill>
+                  <a:schemeClr val="tx1">
+                    <a:lumMod val="75000"/>
+                    <a:lumOff val="25000"/>
+                  </a:schemeClr>
+                </a:solidFill>
+                <a:latin typeface="맑은 고딕" charset="0"/>
+                <a:ea typeface="맑은 고딕" charset="0"/>
+              </a:rPr>
+              <a:t>케이스</a:t>
+            </a:r>
+            <a:endParaRPr lang="ko-KR" altLang="en-US" sz="1800" cap="none" dirty="0" smtClean="0" b="0" strike="noStrike">
+              <a:solidFill>
+                <a:schemeClr val="tx1">
+                  <a:lumMod val="75000"/>
+                  <a:lumOff val="25000"/>
+                </a:schemeClr>
+              </a:solidFill>
+              <a:latin typeface="맑은 고딕" charset="0"/>
+              <a:ea typeface="맑은 고딕" charset="0"/>
+            </a:endParaRPr>
+          </a:p>
+          <a:p>
+            <a:pPr marL="457200" indent="0" algn="l" fontAlgn="auto" defTabSz="914400" eaLnBrk="0">
+              <a:lnSpc>
+                <a:spcPct val="90000"/>
+              </a:lnSpc>
+              <a:spcBef>
+                <a:spcPts val="1000"/>
+              </a:spcBef>
+              <a:spcAft>
+                <a:spcPts val="0"/>
+              </a:spcAft>
+              <a:buFontTx/>
+              <a:buNone/>
+            </a:pPr>
+            <a:r>
+              <a:rPr lang="en-US" altLang="ko-KR" sz="1800" cap="none" dirty="0" smtClean="0" b="0" strike="noStrike">
+                <a:solidFill>
+                  <a:schemeClr val="tx1">
+                    <a:lumMod val="75000"/>
+                    <a:lumOff val="25000"/>
+                  </a:schemeClr>
+                </a:solidFill>
+                <a:latin typeface="맑은 고딕" charset="0"/>
+                <a:ea typeface="맑은 고딕" charset="0"/>
+              </a:rPr>
+              <a:t>1. 케이스 크기(폭, 높이, 깊이)</a:t>
+            </a:r>
+            <a:endParaRPr lang="ko-KR" altLang="en-US" sz="1800" cap="none" dirty="0" smtClean="0" b="0" strike="noStrike">
+              <a:solidFill>
+                <a:schemeClr val="tx1">
+                  <a:lumMod val="75000"/>
+                  <a:lumOff val="25000"/>
+                </a:schemeClr>
+              </a:solidFill>
+              <a:latin typeface="맑은 고딕" charset="0"/>
+              <a:ea typeface="맑은 고딕" charset="0"/>
+            </a:endParaRPr>
+          </a:p>
+          <a:p>
+            <a:pPr marL="457200" indent="0" algn="l" fontAlgn="auto" defTabSz="914400" eaLnBrk="0">
+              <a:lnSpc>
+                <a:spcPct val="90000"/>
+              </a:lnSpc>
+              <a:spcBef>
+                <a:spcPts val="1000"/>
+              </a:spcBef>
+              <a:spcAft>
+                <a:spcPts val="0"/>
+              </a:spcAft>
+              <a:buFontTx/>
+              <a:buNone/>
+            </a:pPr>
+            <a:r>
+              <a:rPr lang="en-US" altLang="ko-KR" sz="1800" cap="none" dirty="0" smtClean="0" b="0" strike="noStrike">
+                <a:solidFill>
+                  <a:schemeClr val="tx1">
+                    <a:lumMod val="75000"/>
+                    <a:lumOff val="25000"/>
+                  </a:schemeClr>
+                </a:solidFill>
+                <a:latin typeface="맑은 고딕" charset="0"/>
+                <a:ea typeface="맑은 고딕" charset="0"/>
+              </a:rPr>
+              <a:t>2. 용도(저소음 or 쿨링)</a:t>
+            </a:r>
+            <a:endParaRPr lang="ko-KR" altLang="en-US" sz="1800" cap="none" dirty="0" smtClean="0" b="0" strike="noStrike">
+              <a:solidFill>
+                <a:schemeClr val="tx1">
+                  <a:lumMod val="75000"/>
+                  <a:lumOff val="25000"/>
+                </a:schemeClr>
+              </a:solidFill>
+              <a:latin typeface="맑은 고딕" charset="0"/>
+              <a:ea typeface="맑은 고딕" charset="0"/>
+            </a:endParaRPr>
+          </a:p>
+          <a:p>
+            <a:pPr marL="228600" indent="-228600" algn="l" fontAlgn="auto" defTabSz="914400" eaLnBrk="0">
+              <a:lnSpc>
+                <a:spcPct val="90000"/>
+              </a:lnSpc>
+              <a:spcBef>
+                <a:spcPts val="1000"/>
+              </a:spcBef>
+              <a:spcAft>
+                <a:spcPts val="0"/>
+              </a:spcAft>
+              <a:buClr>
+                <a:srgbClr val="404040"/>
+              </a:buClr>
+              <a:buFont typeface="맑은 고딕"/>
+              <a:buChar char="•"/>
+            </a:pPr>
+            <a:r>
+              <a:rPr lang="en-US" altLang="ko-KR" sz="1800" cap="none" dirty="0" smtClean="0" b="0" strike="noStrike">
+                <a:solidFill>
+                  <a:schemeClr val="tx1">
+                    <a:lumMod val="75000"/>
+                    <a:lumOff val="25000"/>
+                  </a:schemeClr>
+                </a:solidFill>
+                <a:latin typeface="맑은 고딕" charset="0"/>
+                <a:ea typeface="맑은 고딕" charset="0"/>
+              </a:rPr>
+              <a:t>쿨러</a:t>
+            </a:r>
+            <a:endParaRPr lang="ko-KR" altLang="en-US" sz="1800" cap="none" dirty="0" smtClean="0" b="0" strike="noStrike">
+              <a:solidFill>
+                <a:schemeClr val="tx1">
+                  <a:lumMod val="75000"/>
+                  <a:lumOff val="25000"/>
+                </a:schemeClr>
+              </a:solidFill>
+              <a:latin typeface="맑은 고딕" charset="0"/>
+              <a:ea typeface="맑은 고딕" charset="0"/>
+            </a:endParaRPr>
+          </a:p>
+          <a:p>
+            <a:pPr marL="457200" indent="0" algn="l" fontAlgn="auto" defTabSz="914400" eaLnBrk="0">
+              <a:lnSpc>
+                <a:spcPct val="90000"/>
+              </a:lnSpc>
+              <a:spcBef>
+                <a:spcPts val="1000"/>
+              </a:spcBef>
+              <a:spcAft>
+                <a:spcPts val="0"/>
+              </a:spcAft>
+              <a:buFontTx/>
+              <a:buNone/>
+            </a:pPr>
+            <a:r>
+              <a:rPr lang="en-US" altLang="ko-KR" sz="1800" cap="none" dirty="0" smtClean="0" b="0" strike="noStrike">
+                <a:solidFill>
+                  <a:schemeClr val="tx1">
+                    <a:lumMod val="75000"/>
+                    <a:lumOff val="25000"/>
+                  </a:schemeClr>
+                </a:solidFill>
+                <a:latin typeface="맑은 고딕" charset="0"/>
+                <a:ea typeface="맑은 고딕" charset="0"/>
+              </a:rPr>
+              <a:t>1. 풍압</a:t>
+            </a:r>
+            <a:endParaRPr lang="ko-KR" altLang="en-US" sz="1800" cap="none" dirty="0" smtClean="0" b="0" strike="noStrike">
+              <a:solidFill>
+                <a:schemeClr val="tx1">
+                  <a:lumMod val="75000"/>
+                  <a:lumOff val="25000"/>
+                </a:schemeClr>
+              </a:solidFill>
+              <a:latin typeface="맑은 고딕" charset="0"/>
+              <a:ea typeface="맑은 고딕" charset="0"/>
+            </a:endParaRPr>
+          </a:p>
+          <a:p>
+            <a:pPr marL="457200" indent="0" algn="l" fontAlgn="auto" defTabSz="914400" eaLnBrk="0">
+              <a:lnSpc>
+                <a:spcPct val="90000"/>
+              </a:lnSpc>
+              <a:spcBef>
+                <a:spcPts val="1000"/>
+              </a:spcBef>
+              <a:spcAft>
+                <a:spcPts val="0"/>
+              </a:spcAft>
+              <a:buFontTx/>
+              <a:buNone/>
+            </a:pPr>
+            <a:r>
+              <a:rPr lang="en-US" altLang="ko-KR" sz="1800" cap="none" dirty="0" smtClean="0" b="0" strike="noStrike">
+                <a:solidFill>
+                  <a:schemeClr val="tx1">
+                    <a:lumMod val="75000"/>
+                    <a:lumOff val="25000"/>
+                  </a:schemeClr>
+                </a:solidFill>
+                <a:latin typeface="맑은 고딕" charset="0"/>
+                <a:ea typeface="맑은 고딕" charset="0"/>
+              </a:rPr>
+              <a:t>2. 소음</a:t>
+            </a:r>
+            <a:endParaRPr lang="ko-KR" altLang="en-US" sz="1800" cap="none" dirty="0" smtClean="0" b="0" strike="noStrike">
+              <a:solidFill>
+                <a:schemeClr val="tx1">
+                  <a:lumMod val="75000"/>
+                  <a:lumOff val="25000"/>
+                </a:schemeClr>
+              </a:solidFill>
+              <a:latin typeface="맑은 고딕" charset="0"/>
+              <a:ea typeface="맑은 고딕" charset="0"/>
+            </a:endParaRPr>
+          </a:p>
+        </p:txBody>
+      </p:sp>
+    </p:spTree>
+  </p:cSld>
+  <p:clrMapOvr>
+    <a:masterClrMapping/>
+  </p:clrMapOvr>
+  <mc:AlternateContent xmlns:mc="http://schemas.openxmlformats.org/markup-compatibility/2006">
+    <mc:Choice xmlns:p14="http://schemas.microsoft.com/office/powerpoint/2010/main" Requires="p14">
+      <p:transition spd="slow" p14:dur="1000"/>
+    </mc:Choice>
+    <mc:Fallback>
+      <p:transition spd="slow"/>
+    </mc:Fallback>
+  </mc:AlternateContent>
+  <p:timing>
+    <p:tnLst>
+      <p:par>
+        <p:cTn id="1" dur="indefinite" restart="never" nodeType="tmRoot"/>
+      </p:par>
+    </p:tnLst>
+  </p:timing>
+</p:sld>
+</file>
+
+<file path=ppt/slides/slide2.xml><?xml version="1.0" encoding="utf-8"?>
+<p:sld xmlns:a="http://schemas.openxmlformats.org/drawingml/2006/main" xmlns:r="http://schemas.openxmlformats.org/officeDocument/2006/relationships" xmlns:p="http://schemas.openxmlformats.org/presentationml/2006/main" xmlns:p14="http://schemas.microsoft.com/office/powerpoint/2010/main">
+  <p:cSld>
+    <p:spTree>
+      <p:nvGrpSpPr>
+        <p:cNvPr id="1" name=""/>
+        <p:cNvGrpSpPr/>
+        <p:nvPr/>
+      </p:nvGrpSpPr>
+      <p:grpSpPr>
+        <a:xfrm>
+          <a:off x="0" y="0"/>
+          <a:ext cx="0" cy="0"/>
+          <a:chOff x="0" y="0"/>
+          <a:chExt cx="0" cy="0"/>
+        </a:xfrm>
+      </p:grpSpPr>
+      <p:sp>
+        <p:nvSpPr>
+          <p:cNvPr id="2" name="텍스트 개체 틀 1"/>
+          <p:cNvSpPr txBox="1">
+            <a:spLocks/>
+          </p:cNvSpPr>
+          <p:nvPr>
+            <p:ph type="title"/>
+          </p:nvPr>
+        </p:nvSpPr>
+        <p:spPr>
+          <a:xfrm rot="0">
+            <a:off x="838200" y="365125"/>
+            <a:ext cx="10516870" cy="1327150"/>
+          </a:xfrm>
+          <a:prstGeom prst="rect"/>
+        </p:spPr>
+        <p:txBody>
+          <a:bodyPr wrap="square" lIns="91440" tIns="45720" rIns="91440" bIns="45720" vert="horz" anchor="ctr">
+            <a:normAutofit fontScale="100000" lnSpcReduction="0"/>
+          </a:bodyPr>
+          <a:lstStyle/>
+          <a:p>
+            <a:pPr marL="0" indent="0" algn="l" fontAlgn="auto" defTabSz="914400" eaLnBrk="0">
+              <a:lnSpc>
+                <a:spcPct val="90000"/>
+              </a:lnSpc>
+              <a:spcBef>
+                <a:spcPts val="0"/>
+              </a:spcBef>
+              <a:spcAft>
+                <a:spcPts val="0"/>
+              </a:spcAft>
+              <a:buFontTx/>
+              <a:buNone/>
+            </a:pPr>
+            <a:r>
+              <a:rPr lang="en-US" altLang="ko-KR" sz="4400" cap="none" dirty="0" smtClean="0" b="0" strike="noStrike">
+                <a:latin typeface="맑은 고딕" charset="0"/>
+                <a:ea typeface="맑은 고딕" charset="0"/>
+              </a:rPr>
+              <a:t>컴퓨터 견적 맞추기</a:t>
+            </a:r>
+            <a:endParaRPr lang="ko-KR" altLang="en-US" sz="4400" cap="none" dirty="0" smtClean="0" b="0" strike="noStrike">
+              <a:latin typeface="맑은 고딕" charset="0"/>
+              <a:ea typeface="맑은 고딕" charset="0"/>
+            </a:endParaRPr>
+          </a:p>
+        </p:txBody>
+      </p:sp>
+      <p:sp>
+        <p:nvSpPr>
+          <p:cNvPr id="3" name="내용 개체 틀 2"/>
+          <p:cNvSpPr txBox="1">
+            <a:spLocks/>
+          </p:cNvSpPr>
+          <p:nvPr>
+            <p:ph type="obj" idx="1"/>
+          </p:nvPr>
+        </p:nvSpPr>
+        <p:spPr>
+          <a:xfrm>
+            <a:off x="838200" y="1825625"/>
+            <a:ext cx="10517505" cy="4353560"/>
+          </a:xfrm>
+          <a:prstGeom prst="rect"/>
+        </p:spPr>
+        <p:txBody>
+          <a:bodyPr wrap="square" lIns="91440" tIns="45720" rIns="91440" bIns="45720" numCol="1" vert="horz" anchor="t">
+            <a:normAutofit fontScale="100000" lnSpcReduction="0"/>
+          </a:bodyPr>
+          <a:lstStyle/>
+          <a:p>
+            <a:pPr marL="228600" indent="-228600" algn="l" fontAlgn="auto" defTabSz="914400" eaLnBrk="0">
+              <a:lnSpc>
+                <a:spcPct val="90000"/>
+              </a:lnSpc>
+              <a:spcBef>
+                <a:spcPts val="1000"/>
+              </a:spcBef>
+              <a:spcAft>
+                <a:spcPts val="0"/>
+              </a:spcAft>
+              <a:buClr>
+                <a:srgbClr val="404040"/>
+              </a:buClr>
+              <a:buFont typeface="맑은 고딕"/>
+              <a:buChar char="•"/>
+            </a:pPr>
+            <a:r>
+              <a:rPr lang="en-US" altLang="ko-KR" sz="2800" cap="none" dirty="0" smtClean="0" b="0" strike="noStrike">
+                <a:solidFill>
+                  <a:schemeClr val="tx1">
+                    <a:lumMod val="75000"/>
+                    <a:lumOff val="25000"/>
+                  </a:schemeClr>
+                </a:solidFill>
+                <a:latin typeface="맑은 고딕" charset="0"/>
+                <a:ea typeface="맑은 고딕" charset="0"/>
+              </a:rPr>
+              <a:t>예산 이내에서 최고 성능으로 구성</a:t>
+            </a:r>
+            <a:endParaRPr lang="ko-KR" altLang="en-US" sz="2800" cap="none" dirty="0" smtClean="0" b="0" strike="noStrike">
+              <a:solidFill>
+                <a:schemeClr val="tx1">
+                  <a:lumMod val="75000"/>
+                  <a:lumOff val="25000"/>
+                </a:schemeClr>
+              </a:solidFill>
+              <a:latin typeface="맑은 고딕" charset="0"/>
+              <a:ea typeface="맑은 고딕" charset="0"/>
+            </a:endParaRPr>
+          </a:p>
+          <a:p>
+            <a:pPr marL="228600" indent="-228600" algn="l" fontAlgn="auto" defTabSz="914400" eaLnBrk="0">
+              <a:lnSpc>
+                <a:spcPct val="90000"/>
+              </a:lnSpc>
+              <a:spcBef>
+                <a:spcPts val="1000"/>
+              </a:spcBef>
+              <a:spcAft>
+                <a:spcPts val="0"/>
+              </a:spcAft>
+              <a:buClr>
+                <a:srgbClr val="404040"/>
+              </a:buClr>
+              <a:buFont typeface="맑은 고딕"/>
+              <a:buChar char="•"/>
+            </a:pPr>
+            <a:r>
+              <a:rPr lang="en-US" altLang="ko-KR" sz="2800" cap="none" dirty="0" smtClean="0" b="0" strike="noStrike">
+                <a:solidFill>
+                  <a:schemeClr val="tx1">
+                    <a:lumMod val="75000"/>
+                    <a:lumOff val="25000"/>
+                  </a:schemeClr>
+                </a:solidFill>
+                <a:latin typeface="맑은 고딕" charset="0"/>
+                <a:ea typeface="맑은 고딕" charset="0"/>
+              </a:rPr>
+              <a:t>사용 목적에 따른 구성</a:t>
+            </a:r>
+            <a:endParaRPr lang="ko-KR" altLang="en-US" sz="2800" cap="none" dirty="0" smtClean="0" b="0" strike="noStrike">
+              <a:solidFill>
+                <a:schemeClr val="tx1">
+                  <a:lumMod val="75000"/>
+                  <a:lumOff val="25000"/>
+                </a:schemeClr>
+              </a:solidFill>
+              <a:latin typeface="맑은 고딕" charset="0"/>
+              <a:ea typeface="맑은 고딕" charset="0"/>
+            </a:endParaRPr>
+          </a:p>
+          <a:p>
+            <a:pPr marL="228600" indent="-228600" algn="l" fontAlgn="auto" defTabSz="914400" eaLnBrk="0">
+              <a:lnSpc>
+                <a:spcPct val="90000"/>
+              </a:lnSpc>
+              <a:spcBef>
+                <a:spcPts val="1000"/>
+              </a:spcBef>
+              <a:spcAft>
+                <a:spcPts val="0"/>
+              </a:spcAft>
+              <a:buClr>
+                <a:srgbClr val="404040"/>
+              </a:buClr>
+              <a:buFont typeface="맑은 고딕"/>
+              <a:buChar char="•"/>
+            </a:pPr>
+            <a:r>
+              <a:rPr lang="en-US" altLang="ko-KR" sz="2800" cap="none" dirty="0" smtClean="0" b="0" strike="noStrike">
+                <a:solidFill>
+                  <a:schemeClr val="tx1">
+                    <a:lumMod val="75000"/>
+                    <a:lumOff val="25000"/>
+                  </a:schemeClr>
+                </a:solidFill>
+                <a:latin typeface="맑은 고딕" charset="0"/>
+                <a:ea typeface="맑은 고딕" charset="0"/>
+              </a:rPr>
+              <a:t>컴퓨터 부품 업그레이드</a:t>
+            </a:r>
+            <a:endParaRPr lang="ko-KR" altLang="en-US" sz="2800" cap="none" dirty="0" smtClean="0" b="0" strike="noStrike">
+              <a:solidFill>
+                <a:schemeClr val="tx1">
+                  <a:lumMod val="75000"/>
+                  <a:lumOff val="25000"/>
+                </a:schemeClr>
+              </a:solidFill>
+              <a:latin typeface="맑은 고딕" charset="0"/>
+              <a:ea typeface="맑은 고딕" charset="0"/>
+            </a:endParaRPr>
+          </a:p>
+          <a:p>
+            <a:pPr marL="228600" indent="-228600" algn="l" fontAlgn="auto" defTabSz="914400" eaLnBrk="0">
+              <a:lnSpc>
+                <a:spcPct val="90000"/>
+              </a:lnSpc>
+              <a:spcBef>
+                <a:spcPts val="1000"/>
+              </a:spcBef>
+              <a:spcAft>
+                <a:spcPts val="0"/>
+              </a:spcAft>
+              <a:buClr>
+                <a:srgbClr val="404040"/>
+              </a:buClr>
+              <a:buFont typeface="맑은 고딕"/>
+              <a:buChar char="•"/>
+            </a:pPr>
+            <a:endParaRPr lang="ko-KR" altLang="en-US" sz="2800" cap="none" dirty="0" smtClean="0" b="0" strike="noStrike">
+              <a:solidFill>
+                <a:schemeClr val="tx1">
+                  <a:lumMod val="75000"/>
+                  <a:lumOff val="25000"/>
+                </a:schemeClr>
+              </a:solidFill>
+              <a:latin typeface="맑은 고딕" charset="0"/>
+              <a:ea typeface="맑은 고딕" charset="0"/>
+            </a:endParaRPr>
+          </a:p>
+          <a:p>
+            <a:pPr marL="0" indent="0" algn="l" fontAlgn="auto" defTabSz="914400" eaLnBrk="0">
+              <a:lnSpc>
+                <a:spcPct val="90000"/>
+              </a:lnSpc>
+              <a:spcBef>
+                <a:spcPts val="1000"/>
+              </a:spcBef>
+              <a:spcAft>
+                <a:spcPts val="0"/>
+              </a:spcAft>
+              <a:buFontTx/>
+              <a:buNone/>
+            </a:pPr>
+            <a:r>
+              <a:rPr lang="en-US" altLang="ko-KR" sz="2800" cap="none" dirty="0" smtClean="0" b="0" strike="noStrike">
+                <a:solidFill>
+                  <a:schemeClr val="tx1">
+                    <a:lumMod val="75000"/>
+                    <a:lumOff val="25000"/>
+                  </a:schemeClr>
+                </a:solidFill>
+                <a:latin typeface="맑은 고딕" charset="0"/>
+                <a:ea typeface="맑은 고딕" charset="0"/>
+              </a:rPr>
+              <a:t> 따라서 객관적인 지표가 필요</a:t>
+            </a:r>
+            <a:endParaRPr lang="ko-KR" altLang="en-US" sz="2800" cap="none" dirty="0" smtClean="0" b="0" strike="noStrike">
+              <a:solidFill>
+                <a:schemeClr val="tx1">
+                  <a:lumMod val="75000"/>
+                  <a:lumOff val="25000"/>
+                </a:schemeClr>
+              </a:solidFill>
+              <a:latin typeface="맑은 고딕" charset="0"/>
+              <a:ea typeface="맑은 고딕" charset="0"/>
+            </a:endParaRPr>
+          </a:p>
+        </p:txBody>
+      </p:sp>
+    </p:spTree>
+  </p:cSld>
+  <p:clrMapOvr>
+    <a:masterClrMapping/>
+  </p:clrMapOvr>
+  <mc:AlternateContent xmlns:mc="http://schemas.openxmlformats.org/markup-compatibility/2006">
+    <mc:Choice xmlns:p14="http://schemas.microsoft.com/office/powerpoint/2010/main" Requires="p14">
+      <p:transition spd="slow" p14:dur="1000"/>
+    </mc:Choice>
+    <mc:Fallback>
+      <p:transition spd="slow"/>
+    </mc:Fallback>
+  </mc:AlternateContent>
+  <p:timing>
+    <p:tnLst>
+      <p:par>
+        <p:cTn id="1" dur="indefinite" restart="never" nodeType="tmRoot"/>
+      </p:par>
+    </p:tnLst>
+  </p:timing>
+</p:sld>
+</file>
+
+<file path=ppt/slides/slide3.xml><?xml version="1.0" encoding="utf-8"?>
+<p:sld xmlns:a="http://schemas.openxmlformats.org/drawingml/2006/main" xmlns:r="http://schemas.openxmlformats.org/officeDocument/2006/relationships" xmlns:p="http://schemas.openxmlformats.org/presentationml/2006/main" xmlns:p14="http://schemas.microsoft.com/office/powerpoint/2010/main">
+  <p:cSld>
+    <p:spTree>
+      <p:nvGrpSpPr>
+        <p:cNvPr id="1" name=""/>
+        <p:cNvGrpSpPr/>
+        <p:nvPr/>
+      </p:nvGrpSpPr>
+      <p:grpSpPr>
+        <a:xfrm>
+          <a:off x="0" y="0"/>
+          <a:ext cx="0" cy="0"/>
+          <a:chOff x="0" y="0"/>
+          <a:chExt cx="0" cy="0"/>
+        </a:xfrm>
+      </p:grpSpPr>
+      <p:sp>
+        <p:nvSpPr>
+          <p:cNvPr id="2" name="텍스트 개체 틀 1"/>
+          <p:cNvSpPr txBox="1">
+            <a:spLocks/>
+          </p:cNvSpPr>
+          <p:nvPr>
+            <p:ph type="title"/>
+          </p:nvPr>
+        </p:nvSpPr>
+        <p:spPr>
+          <a:xfrm rot="0">
+            <a:off x="838200" y="365125"/>
+            <a:ext cx="10516870" cy="1327150"/>
+          </a:xfrm>
+          <a:prstGeom prst="rect"/>
+        </p:spPr>
+        <p:txBody>
+          <a:bodyPr wrap="square" lIns="91440" tIns="45720" rIns="91440" bIns="45720" vert="horz" anchor="ctr">
+            <a:normAutofit fontScale="100000" lnSpcReduction="0"/>
+          </a:bodyPr>
+          <a:lstStyle/>
+          <a:p>
+            <a:pPr marL="0" indent="0" algn="l" fontAlgn="auto" defTabSz="914400" eaLnBrk="0">
+              <a:lnSpc>
+                <a:spcPct val="90000"/>
+              </a:lnSpc>
+              <a:spcBef>
+                <a:spcPts val="0"/>
+              </a:spcBef>
+              <a:spcAft>
+                <a:spcPts val="0"/>
+              </a:spcAft>
+              <a:buFontTx/>
+              <a:buNone/>
+            </a:pPr>
+            <a:r>
+              <a:rPr lang="en-US" altLang="ko-KR" sz="4400" cap="none" dirty="0" smtClean="0" b="0" strike="noStrike">
+                <a:latin typeface="맑은 고딕" charset="0"/>
+                <a:ea typeface="맑은 고딕" charset="0"/>
+              </a:rPr>
+              <a:t>벤치마크란?</a:t>
+            </a:r>
+            <a:endParaRPr lang="ko-KR" altLang="en-US" sz="4400" cap="none" dirty="0" smtClean="0" b="0" strike="noStrike">
+              <a:latin typeface="맑은 고딕" charset="0"/>
+              <a:ea typeface="맑은 고딕" charset="0"/>
+            </a:endParaRPr>
+          </a:p>
+        </p:txBody>
+      </p:sp>
+      <p:sp>
+        <p:nvSpPr>
+          <p:cNvPr id="3" name="내용 개체 틀 2"/>
+          <p:cNvSpPr txBox="1">
+            <a:spLocks/>
+          </p:cNvSpPr>
+          <p:nvPr>
+            <p:ph type="obj" idx="1"/>
+          </p:nvPr>
+        </p:nvSpPr>
+        <p:spPr>
+          <a:xfrm>
+            <a:off x="838200" y="1825625"/>
+            <a:ext cx="10517505" cy="4353560"/>
+          </a:xfrm>
+          <a:prstGeom prst="rect"/>
+        </p:spPr>
+        <p:txBody>
+          <a:bodyPr wrap="square" lIns="91440" tIns="45720" rIns="91440" bIns="45720" numCol="1" vert="horz" anchor="t">
+            <a:normAutofit fontScale="100000" lnSpcReduction="0"/>
+          </a:bodyPr>
+          <a:lstStyle/>
+          <a:p>
+            <a:pPr marL="228600" indent="-228600" algn="l" fontAlgn="auto" defTabSz="914400" eaLnBrk="0">
+              <a:lnSpc>
+                <a:spcPct val="90000"/>
+              </a:lnSpc>
+              <a:spcBef>
+                <a:spcPts val="1000"/>
+              </a:spcBef>
+              <a:spcAft>
+                <a:spcPts val="0"/>
+              </a:spcAft>
+              <a:buClr>
+                <a:srgbClr val="404040"/>
+              </a:buClr>
+              <a:buFont typeface="Arial"/>
+              <a:buChar char="•"/>
+            </a:pPr>
+            <a:r>
+              <a:rPr lang="en-US" altLang="ko-KR" sz="2000" cap="none" dirty="0" smtClean="0" b="0" strike="noStrike">
+                <a:solidFill>
+                  <a:srgbClr val="373A3C"/>
+                </a:solidFill>
+                <a:latin typeface="맑은 고딕" charset="0"/>
+                <a:ea typeface="맑은 고딕" charset="0"/>
+              </a:rPr>
+              <a:t>토지 측량에서 사용되는 수준 기표</a:t>
+            </a:r>
+            <a:endParaRPr lang="ko-KR" altLang="en-US" sz="2000" cap="none" dirty="0" smtClean="0" b="0" strike="noStrike">
+              <a:solidFill>
+                <a:srgbClr val="373A3C"/>
+              </a:solidFill>
+              <a:latin typeface="맑은 고딕" charset="0"/>
+              <a:ea typeface="맑은 고딕" charset="0"/>
+            </a:endParaRPr>
+          </a:p>
+          <a:p>
+            <a:pPr marL="228600" indent="-228600" algn="l" fontAlgn="auto" defTabSz="914400" eaLnBrk="0">
+              <a:lnSpc>
+                <a:spcPct val="90000"/>
+              </a:lnSpc>
+              <a:spcBef>
+                <a:spcPts val="1000"/>
+              </a:spcBef>
+              <a:spcAft>
+                <a:spcPts val="0"/>
+              </a:spcAft>
+              <a:buClr>
+                <a:srgbClr val="404040"/>
+              </a:buClr>
+              <a:buFont typeface="Arial"/>
+              <a:buChar char="•"/>
+            </a:pPr>
+            <a:r>
+              <a:rPr lang="en-US" altLang="ko-KR" sz="2000" cap="none" dirty="0" smtClean="0" b="0" strike="noStrike">
+                <a:solidFill>
+                  <a:srgbClr val="373A3C"/>
+                </a:solidFill>
+                <a:latin typeface="맑은 고딕" charset="0"/>
+                <a:ea typeface="맑은 고딕" charset="0"/>
+              </a:rPr>
+              <a:t>어떤 것이 높고 낮음을 나타내는 기준점을 의미한다.</a:t>
+            </a:r>
+            <a:endParaRPr lang="ko-KR" altLang="en-US" sz="2000" cap="none" dirty="0" smtClean="0" b="0" strike="noStrike">
+              <a:solidFill>
+                <a:srgbClr val="373A3C"/>
+              </a:solidFill>
+              <a:latin typeface="맑은 고딕" charset="0"/>
+              <a:ea typeface="맑은 고딕" charset="0"/>
+            </a:endParaRPr>
+          </a:p>
+          <a:p>
+            <a:pPr marL="228600" indent="-228600" algn="l" fontAlgn="auto" defTabSz="914400" eaLnBrk="0">
+              <a:lnSpc>
+                <a:spcPct val="90000"/>
+              </a:lnSpc>
+              <a:spcBef>
+                <a:spcPts val="1000"/>
+              </a:spcBef>
+              <a:spcAft>
+                <a:spcPts val="0"/>
+              </a:spcAft>
+              <a:buClr>
+                <a:srgbClr val="404040"/>
+              </a:buClr>
+              <a:buFont typeface="Arial"/>
+              <a:buChar char="•"/>
+            </a:pPr>
+            <a:r>
+              <a:rPr lang="en-US" altLang="ko-KR" sz="2000" cap="none" dirty="0" smtClean="0" b="0" strike="noStrike">
+                <a:solidFill>
+                  <a:srgbClr val="373A3C"/>
+                </a:solidFill>
+                <a:latin typeface="맑은 고딕" charset="0"/>
+                <a:ea typeface="맑은 고딕" charset="0"/>
+              </a:rPr>
+              <a:t>즉 벤치마크가 담고 있는 의미는 조사 대상을 여러 가지 방법으로 측정하여 누구라도 인정할 수 있도록 표준화시키는 과정이라고 할 수 있다. </a:t>
+            </a:r>
+            <a:endParaRPr lang="ko-KR" altLang="en-US" sz="2000" cap="none" dirty="0" smtClean="0" b="0" strike="noStrike">
+              <a:solidFill>
+                <a:srgbClr val="373A3C"/>
+              </a:solidFill>
+              <a:latin typeface="맑은 고딕" charset="0"/>
+              <a:ea typeface="맑은 고딕" charset="0"/>
+            </a:endParaRPr>
+          </a:p>
+          <a:p>
+            <a:pPr marL="228600" indent="-228600" algn="l" fontAlgn="auto" defTabSz="914400" eaLnBrk="0">
+              <a:lnSpc>
+                <a:spcPct val="90000"/>
+              </a:lnSpc>
+              <a:spcBef>
+                <a:spcPts val="1000"/>
+              </a:spcBef>
+              <a:spcAft>
+                <a:spcPts val="0"/>
+              </a:spcAft>
+              <a:buClr>
+                <a:srgbClr val="404040"/>
+              </a:buClr>
+              <a:buFont typeface="Arial"/>
+              <a:buChar char="•"/>
+            </a:pPr>
+            <a:endParaRPr lang="ko-KR" altLang="en-US" sz="2000" cap="none" dirty="0" smtClean="0" b="0" strike="noStrike">
+              <a:solidFill>
+                <a:schemeClr val="tx1">
+                  <a:lumMod val="75000"/>
+                  <a:lumOff val="25000"/>
+                </a:schemeClr>
+              </a:solidFill>
+              <a:latin typeface="맑은 고딕" charset="0"/>
+              <a:ea typeface="맑은 고딕" charset="0"/>
+            </a:endParaRPr>
+          </a:p>
+        </p:txBody>
+      </p:sp>
+    </p:spTree>
+  </p:cSld>
+  <p:clrMapOvr>
+    <a:masterClrMapping/>
+  </p:clrMapOvr>
+  <mc:AlternateContent xmlns:mc="http://schemas.openxmlformats.org/markup-compatibility/2006">
+    <mc:Choice xmlns:p14="http://schemas.microsoft.com/office/powerpoint/2010/main" Requires="p14">
+      <p:transition spd="slow" p14:dur="1000"/>
+    </mc:Choice>
+    <mc:Fallback>
+      <p:transition spd="slow"/>
+    </mc:Fallback>
+  </mc:AlternateContent>
+  <p:timing>
+    <p:tnLst>
+      <p:par>
+        <p:cTn id="1" dur="indefinite" restart="never" nodeType="tmRoot"/>
+      </p:par>
+    </p:tnLst>
+  </p:timing>
+</p:sld>
+</file>
+
+<file path=ppt/slides/slide4.xml><?xml version="1.0" encoding="utf-8"?>
+<p:sld xmlns:a="http://schemas.openxmlformats.org/drawingml/2006/main" xmlns:r="http://schemas.openxmlformats.org/officeDocument/2006/relationships" xmlns:p="http://schemas.openxmlformats.org/presentationml/2006/main" xmlns:p14="http://schemas.microsoft.com/office/powerpoint/2010/main">
+  <p:cSld>
+    <p:spTree>
+      <p:nvGrpSpPr>
+        <p:cNvPr id="1" name=""/>
+        <p:cNvGrpSpPr/>
+        <p:nvPr/>
+      </p:nvGrpSpPr>
+      <p:grpSpPr>
+        <a:xfrm>
+          <a:off x="0" y="0"/>
+          <a:ext cx="0" cy="0"/>
+          <a:chOff x="0" y="0"/>
+          <a:chExt cx="0" cy="0"/>
+        </a:xfrm>
+      </p:grpSpPr>
+      <p:sp>
+        <p:nvSpPr>
+          <p:cNvPr id="3" name="내용 개체 틀 2"/>
+          <p:cNvSpPr txBox="1">
+            <a:spLocks/>
+          </p:cNvSpPr>
+          <p:nvPr>
+            <p:ph type="obj" idx="1"/>
+          </p:nvPr>
+        </p:nvSpPr>
+        <p:spPr>
+          <a:xfrm>
+            <a:off x="838200" y="347980"/>
+            <a:ext cx="10517505" cy="5831205"/>
+          </a:xfrm>
+          <a:prstGeom prst="rect"/>
+        </p:spPr>
+        <p:txBody>
+          <a:bodyPr wrap="square" lIns="91440" tIns="45720" rIns="91440" bIns="45720" numCol="1" vert="horz" anchor="t">
+            <a:normAutofit fontScale="100000" lnSpcReduction="0"/>
+          </a:bodyPr>
+          <a:lstStyle/>
+          <a:p>
+            <a:pPr marL="228600" indent="-228600" algn="l" fontAlgn="auto" defTabSz="914400" eaLnBrk="0">
+              <a:lnSpc>
+                <a:spcPct val="90000"/>
+              </a:lnSpc>
+              <a:spcBef>
+                <a:spcPts val="1000"/>
+              </a:spcBef>
+              <a:spcAft>
+                <a:spcPts val="0"/>
+              </a:spcAft>
+              <a:buClr>
+                <a:srgbClr val="404040"/>
+              </a:buClr>
+              <a:buFont typeface="맑은 고딕"/>
+              <a:buChar char="•"/>
+            </a:pPr>
+            <a:r>
+              <a:rPr lang="en-US" altLang="ko-KR" sz="2800" cap="none" dirty="0" smtClean="0" b="0" strike="noStrike">
+                <a:solidFill>
+                  <a:schemeClr val="tx1">
+                    <a:lumMod val="75000"/>
+                    <a:lumOff val="25000"/>
+                  </a:schemeClr>
+                </a:solidFill>
+                <a:latin typeface="맑은 고딕" charset="0"/>
+                <a:ea typeface="맑은 고딕" charset="0"/>
+              </a:rPr>
+              <a:t>벤치마크 점수가 있는 경우</a:t>
+            </a:r>
+            <a:endParaRPr lang="ko-KR" altLang="en-US" sz="2800" cap="none" dirty="0" smtClean="0" b="0" strike="noStrike">
+              <a:solidFill>
+                <a:schemeClr val="tx1">
+                  <a:lumMod val="75000"/>
+                  <a:lumOff val="25000"/>
+                </a:schemeClr>
+              </a:solidFill>
+              <a:latin typeface="맑은 고딕" charset="0"/>
+              <a:ea typeface="맑은 고딕" charset="0"/>
+            </a:endParaRPr>
+          </a:p>
+          <a:p>
+            <a:pPr marL="0" indent="0" algn="l" fontAlgn="auto" defTabSz="914400" eaLnBrk="0">
+              <a:lnSpc>
+                <a:spcPct val="90000"/>
+              </a:lnSpc>
+              <a:spcBef>
+                <a:spcPts val="1000"/>
+              </a:spcBef>
+              <a:spcAft>
+                <a:spcPts val="0"/>
+              </a:spcAft>
+              <a:buFontTx/>
+              <a:buNone/>
+            </a:pPr>
+            <a:r>
+              <a:rPr lang="en-US" altLang="ko-KR" sz="2800" cap="none" dirty="0" smtClean="0" b="0" strike="noStrike">
+                <a:solidFill>
+                  <a:schemeClr val="tx1">
+                    <a:lumMod val="75000"/>
+                    <a:lumOff val="25000"/>
+                  </a:schemeClr>
+                </a:solidFill>
+                <a:latin typeface="맑은 고딕" charset="0"/>
+                <a:ea typeface="맑은 고딕" charset="0"/>
+              </a:rPr>
+              <a:t>MAX(벤치마크 점수/가격)</a:t>
+            </a:r>
+            <a:endParaRPr lang="ko-KR" altLang="en-US" sz="2800" cap="none" dirty="0" smtClean="0" b="0" strike="noStrike">
+              <a:solidFill>
+                <a:schemeClr val="tx1">
+                  <a:lumMod val="75000"/>
+                  <a:lumOff val="25000"/>
+                </a:schemeClr>
+              </a:solidFill>
+              <a:latin typeface="맑은 고딕" charset="0"/>
+              <a:ea typeface="맑은 고딕" charset="0"/>
+            </a:endParaRPr>
+          </a:p>
+          <a:p>
+            <a:pPr marL="0" indent="0" algn="l" fontAlgn="auto" defTabSz="914400" eaLnBrk="0">
+              <a:lnSpc>
+                <a:spcPct val="90000"/>
+              </a:lnSpc>
+              <a:spcBef>
+                <a:spcPts val="1000"/>
+              </a:spcBef>
+              <a:spcAft>
+                <a:spcPts val="0"/>
+              </a:spcAft>
+              <a:buFontTx/>
+              <a:buNone/>
+            </a:pPr>
+            <a:r>
+              <a:rPr lang="en-US" altLang="ko-KR" sz="2000" cap="none" dirty="0" smtClean="0" b="0" strike="noStrike">
+                <a:solidFill>
+                  <a:schemeClr val="tx1">
+                    <a:lumMod val="75000"/>
+                    <a:lumOff val="25000"/>
+                  </a:schemeClr>
+                </a:solidFill>
+                <a:latin typeface="맑은 고딕" charset="0"/>
+                <a:ea typeface="맑은 고딕" charset="0"/>
+              </a:rPr>
+              <a:t>(단 벤치마크 점수는 사용자가 원하는 성능 이상)</a:t>
+            </a:r>
+            <a:endParaRPr lang="ko-KR" altLang="en-US" sz="2000" cap="none" dirty="0" smtClean="0" b="0" strike="noStrike">
+              <a:solidFill>
+                <a:schemeClr val="tx1">
+                  <a:lumMod val="75000"/>
+                  <a:lumOff val="25000"/>
+                </a:schemeClr>
+              </a:solidFill>
+              <a:latin typeface="맑은 고딕" charset="0"/>
+              <a:ea typeface="맑은 고딕" charset="0"/>
+            </a:endParaRPr>
+          </a:p>
+          <a:p>
+            <a:pPr marL="0" indent="0" algn="l" fontAlgn="auto" defTabSz="914400" eaLnBrk="0">
+              <a:lnSpc>
+                <a:spcPct val="90000"/>
+              </a:lnSpc>
+              <a:spcBef>
+                <a:spcPts val="1000"/>
+              </a:spcBef>
+              <a:spcAft>
+                <a:spcPts val="0"/>
+              </a:spcAft>
+              <a:buFontTx/>
+              <a:buNone/>
+            </a:pPr>
+            <a:endParaRPr lang="ko-KR" altLang="en-US" sz="2800" cap="none" dirty="0" smtClean="0" b="0" strike="noStrike">
+              <a:solidFill>
+                <a:schemeClr val="tx1">
+                  <a:lumMod val="75000"/>
+                  <a:lumOff val="25000"/>
+                </a:schemeClr>
+              </a:solidFill>
+              <a:latin typeface="맑은 고딕" charset="0"/>
+              <a:ea typeface="맑은 고딕" charset="0"/>
+            </a:endParaRPr>
+          </a:p>
+          <a:p>
+            <a:pPr marL="0" indent="0" algn="l" fontAlgn="auto" defTabSz="914400" eaLnBrk="0">
+              <a:lnSpc>
+                <a:spcPct val="90000"/>
+              </a:lnSpc>
+              <a:spcBef>
+                <a:spcPts val="1000"/>
+              </a:spcBef>
+              <a:spcAft>
+                <a:spcPts val="0"/>
+              </a:spcAft>
+              <a:buFontTx/>
+              <a:buNone/>
+            </a:pPr>
+            <a:endParaRPr lang="ko-KR" altLang="en-US" sz="2800" cap="none" dirty="0" smtClean="0" b="0" strike="noStrike">
+              <a:solidFill>
+                <a:schemeClr val="tx1">
+                  <a:lumMod val="75000"/>
+                  <a:lumOff val="25000"/>
+                </a:schemeClr>
+              </a:solidFill>
+              <a:latin typeface="맑은 고딕" charset="0"/>
+              <a:ea typeface="맑은 고딕" charset="0"/>
+            </a:endParaRPr>
+          </a:p>
+          <a:p>
+            <a:pPr marL="228600" indent="-228600" algn="l" fontAlgn="auto" defTabSz="914400" eaLnBrk="0">
+              <a:lnSpc>
+                <a:spcPct val="90000"/>
+              </a:lnSpc>
+              <a:spcBef>
+                <a:spcPts val="1000"/>
+              </a:spcBef>
+              <a:spcAft>
+                <a:spcPts val="0"/>
+              </a:spcAft>
+              <a:buClr>
+                <a:srgbClr val="404040"/>
+              </a:buClr>
+              <a:buFont typeface="맑은 고딕"/>
+              <a:buChar char="•"/>
+            </a:pPr>
+            <a:r>
+              <a:rPr lang="en-US" altLang="ko-KR" sz="2800" cap="none" dirty="0" smtClean="0" b="0" strike="noStrike">
+                <a:solidFill>
+                  <a:schemeClr val="tx1">
+                    <a:lumMod val="75000"/>
+                    <a:lumOff val="25000"/>
+                  </a:schemeClr>
+                </a:solidFill>
+                <a:latin typeface="맑은 고딕" charset="0"/>
+                <a:ea typeface="맑은 고딕" charset="0"/>
+              </a:rPr>
+              <a:t>벤치마크 점수가 없는 경우</a:t>
+            </a:r>
+            <a:endParaRPr lang="ko-KR" altLang="en-US" sz="2800" cap="none" dirty="0" smtClean="0" b="0" strike="noStrike">
+              <a:solidFill>
+                <a:schemeClr val="tx1">
+                  <a:lumMod val="75000"/>
+                  <a:lumOff val="25000"/>
+                </a:schemeClr>
+              </a:solidFill>
+              <a:latin typeface="맑은 고딕" charset="0"/>
+              <a:ea typeface="맑은 고딕" charset="0"/>
+            </a:endParaRPr>
+          </a:p>
+          <a:p>
+            <a:pPr marL="0" indent="0" algn="l" fontAlgn="auto" defTabSz="914400" eaLnBrk="0">
+              <a:lnSpc>
+                <a:spcPct val="90000"/>
+              </a:lnSpc>
+              <a:spcBef>
+                <a:spcPts val="1000"/>
+              </a:spcBef>
+              <a:spcAft>
+                <a:spcPts val="0"/>
+              </a:spcAft>
+              <a:buFontTx/>
+              <a:buNone/>
+            </a:pPr>
+            <a:r>
+              <a:rPr lang="en-US" altLang="ko-KR" sz="2800" cap="none" dirty="0" smtClean="0" b="0" strike="noStrike">
+                <a:solidFill>
+                  <a:schemeClr val="tx1">
+                    <a:lumMod val="75000"/>
+                    <a:lumOff val="25000"/>
+                  </a:schemeClr>
+                </a:solidFill>
+                <a:latin typeface="맑은 고딕" charset="0"/>
+                <a:ea typeface="맑은 고딕" charset="0"/>
+              </a:rPr>
+              <a:t>기억장치 : MAX(용량*(읽기 속도 + 쓰기 속도)*AS 기간/가격)</a:t>
+            </a:r>
+            <a:endParaRPr lang="ko-KR" altLang="en-US" sz="2800" cap="none" dirty="0" smtClean="0" b="0" strike="noStrike">
+              <a:solidFill>
+                <a:schemeClr val="tx1">
+                  <a:lumMod val="75000"/>
+                  <a:lumOff val="25000"/>
+                </a:schemeClr>
+              </a:solidFill>
+              <a:latin typeface="맑은 고딕" charset="0"/>
+              <a:ea typeface="맑은 고딕" charset="0"/>
+            </a:endParaRPr>
+          </a:p>
+          <a:p>
+            <a:pPr marL="0" indent="0" algn="l" fontAlgn="auto" defTabSz="914400" eaLnBrk="0">
+              <a:lnSpc>
+                <a:spcPct val="90000"/>
+              </a:lnSpc>
+              <a:spcBef>
+                <a:spcPts val="1000"/>
+              </a:spcBef>
+              <a:spcAft>
+                <a:spcPts val="0"/>
+              </a:spcAft>
+              <a:buFontTx/>
+              <a:buNone/>
+            </a:pPr>
+            <a:r>
+              <a:rPr lang="en-US" altLang="ko-KR" sz="2800" cap="none" dirty="0" smtClean="0" b="0" strike="noStrike">
+                <a:solidFill>
+                  <a:schemeClr val="tx1">
+                    <a:lumMod val="75000"/>
+                    <a:lumOff val="25000"/>
+                  </a:schemeClr>
+                </a:solidFill>
+                <a:latin typeface="맑은 고딕" charset="0"/>
+                <a:ea typeface="맑은 고딕" charset="0"/>
+              </a:rPr>
+              <a:t>파워서플라이 : 안정성	</a:t>
+            </a:r>
+            <a:r>
+              <a:rPr lang="en-US" altLang="ko-KR" sz="1500" cap="none" dirty="0" smtClean="0" b="0" strike="noStrike">
+                <a:solidFill>
+                  <a:schemeClr val="tx1">
+                    <a:lumMod val="75000"/>
+                    <a:lumOff val="25000"/>
+                  </a:schemeClr>
+                </a:solidFill>
+                <a:latin typeface="맑은 고딕" charset="0"/>
+                <a:ea typeface="맑은 고딕" charset="0"/>
+              </a:rPr>
+              <a:t>(단 파워의 정격 용량은 CPU, GPU 등등 소비전력을 다 더한것보다 크다.)</a:t>
+            </a:r>
+            <a:endParaRPr lang="ko-KR" altLang="en-US" sz="1500" cap="none" dirty="0" smtClean="0" b="0" strike="noStrike">
+              <a:solidFill>
+                <a:schemeClr val="tx1">
+                  <a:lumMod val="75000"/>
+                  <a:lumOff val="25000"/>
+                </a:schemeClr>
+              </a:solidFill>
+              <a:latin typeface="맑은 고딕" charset="0"/>
+              <a:ea typeface="맑은 고딕" charset="0"/>
+            </a:endParaRPr>
+          </a:p>
+          <a:p>
+            <a:pPr marL="0" indent="0" algn="l" fontAlgn="auto" defTabSz="914400" eaLnBrk="0">
+              <a:lnSpc>
+                <a:spcPct val="90000"/>
+              </a:lnSpc>
+              <a:spcBef>
+                <a:spcPts val="1000"/>
+              </a:spcBef>
+              <a:spcAft>
+                <a:spcPts val="0"/>
+              </a:spcAft>
+              <a:buFontTx/>
+              <a:buNone/>
+            </a:pPr>
+            <a:r>
+              <a:rPr lang="en-US" altLang="ko-KR" sz="2800" cap="none" dirty="0" smtClean="0" b="0" strike="noStrike">
+                <a:solidFill>
+                  <a:schemeClr val="tx1">
+                    <a:lumMod val="75000"/>
+                    <a:lumOff val="25000"/>
+                  </a:schemeClr>
+                </a:solidFill>
+                <a:latin typeface="맑은 고딕" charset="0"/>
+                <a:ea typeface="맑은 고딕" charset="0"/>
+              </a:rPr>
+              <a:t>케이스 : 저소음 or 쿨링</a:t>
+            </a:r>
+            <a:r>
+              <a:rPr lang="en-US" altLang="ko-KR" sz="1500" cap="none" dirty="0" smtClean="0" b="0" strike="noStrike">
+                <a:solidFill>
+                  <a:schemeClr val="tx1">
+                    <a:lumMod val="75000"/>
+                    <a:lumOff val="25000"/>
+                  </a:schemeClr>
+                </a:solidFill>
+                <a:latin typeface="맑은 고딕" charset="0"/>
+                <a:ea typeface="맑은 고딕" charset="0"/>
+              </a:rPr>
+              <a:t>(단 크기는 메인보드와 CPU 쿨러, GPU등 모든 부품이 들어갈 수 있어야 함)</a:t>
+            </a:r>
+            <a:endParaRPr lang="ko-KR" altLang="en-US" sz="1500" cap="none" dirty="0" smtClean="0" b="0" strike="noStrike">
+              <a:solidFill>
+                <a:schemeClr val="tx1">
+                  <a:lumMod val="75000"/>
+                  <a:lumOff val="25000"/>
+                </a:schemeClr>
+              </a:solidFill>
+              <a:latin typeface="맑은 고딕" charset="0"/>
+              <a:ea typeface="맑은 고딕" charset="0"/>
+            </a:endParaRPr>
+          </a:p>
+          <a:p>
+            <a:pPr marL="0" indent="0" algn="l" fontAlgn="auto" defTabSz="914400" eaLnBrk="0">
+              <a:lnSpc>
+                <a:spcPct val="90000"/>
+              </a:lnSpc>
+              <a:spcBef>
+                <a:spcPts val="1000"/>
+              </a:spcBef>
+              <a:spcAft>
+                <a:spcPts val="0"/>
+              </a:spcAft>
+              <a:buFontTx/>
+              <a:buNone/>
+            </a:pPr>
+            <a:r>
+              <a:rPr lang="en-US" altLang="ko-KR" sz="2800" cap="none" dirty="0" smtClean="0" b="0" strike="noStrike">
+                <a:solidFill>
+                  <a:schemeClr val="tx1">
+                    <a:lumMod val="75000"/>
+                    <a:lumOff val="25000"/>
+                  </a:schemeClr>
+                </a:solidFill>
+                <a:latin typeface="맑은 고딕" charset="0"/>
+                <a:ea typeface="맑은 고딕" charset="0"/>
+              </a:rPr>
+              <a:t>쿨러 : 풍압/소음 발생(dBA)</a:t>
+            </a:r>
+            <a:endParaRPr lang="ko-KR" altLang="en-US" sz="2800" cap="none" dirty="0" smtClean="0" b="0" strike="noStrike">
+              <a:solidFill>
+                <a:schemeClr val="tx1">
+                  <a:lumMod val="75000"/>
+                  <a:lumOff val="25000"/>
+                </a:schemeClr>
+              </a:solidFill>
+              <a:latin typeface="맑은 고딕" charset="0"/>
+              <a:ea typeface="맑은 고딕" charset="0"/>
+            </a:endParaRPr>
+          </a:p>
+        </p:txBody>
+      </p:sp>
+      <p:sp>
+        <p:nvSpPr>
+          <p:cNvPr id="6" name="텍스트 상자 5"/>
+          <p:cNvSpPr txBox="1">
+            <a:spLocks/>
+          </p:cNvSpPr>
+          <p:nvPr/>
+        </p:nvSpPr>
+        <p:spPr>
+          <a:xfrm rot="0">
+            <a:off x="3810000" y="2286000"/>
+            <a:ext cx="4572635" cy="431165"/>
+          </a:xfrm>
+          <a:prstGeom prst="rect"/>
+          <a:noFill/>
+        </p:spPr>
+        <p:txBody>
+          <a:bodyPr wrap="square" lIns="0" tIns="0" rIns="0" bIns="0" vert="horz" anchor="t">
+            <a:noAutofit/>
+          </a:bodyPr>
+          <a:lstStyle/>
+          <a:p>
+            <a:pPr marL="0" indent="0" algn="just" fontAlgn="auto" defTabSz="508000">
+              <a:lnSpc>
+                <a:spcPct val="100000"/>
+              </a:lnSpc>
+              <a:spcBef>
+                <a:spcPts val="0"/>
+              </a:spcBef>
+              <a:spcAft>
+                <a:spcPts val="0"/>
+              </a:spcAft>
+              <a:buFontTx/>
+              <a:buNone/>
+            </a:pPr>
+            <a:endParaRPr lang="ko-KR" altLang="en-US" sz="1000" cap="none" dirty="0" smtClean="0" b="0" strike="noStrike">
+              <a:latin typeface="맑은 고딕" charset="0"/>
+              <a:ea typeface="맑은 고딕" charset="0"/>
+            </a:endParaRPr>
+          </a:p>
+          <a:p>
+            <a:pPr marL="0" indent="0" algn="l" fontAlgn="auto" defTabSz="508000">
+              <a:lnSpc>
+                <a:spcPct val="100000"/>
+              </a:lnSpc>
+              <a:spcBef>
+                <a:spcPts val="0"/>
+              </a:spcBef>
+              <a:spcAft>
+                <a:spcPts val="0"/>
+              </a:spcAft>
+              <a:buFontTx/>
+              <a:buNone/>
+            </a:pPr>
+            <a:endParaRPr lang="ko-KR" altLang="en-US" sz="1800" cap="none" dirty="0" smtClean="0" b="0" strike="noStrike">
+              <a:latin typeface="맑은 고딕" charset="0"/>
+              <a:ea typeface="맑은 고딕" charset="0"/>
+            </a:endParaRPr>
+          </a:p>
+        </p:txBody>
+      </p:sp>
+    </p:spTree>
+  </p:cSld>
+  <p:clrMapOvr>
+    <a:masterClrMapping/>
+  </p:clrMapOvr>
+  <mc:AlternateContent xmlns:mc="http://schemas.openxmlformats.org/markup-compatibility/2006">
+    <mc:Choice xmlns:p14="http://schemas.microsoft.com/office/powerpoint/2010/main" Requires="p14">
+      <p:transition spd="slow" p14:dur="1000"/>
+    </mc:Choice>
+    <mc:Fallback>
+      <p:transition spd="slow"/>
+    </mc:Fallback>
+  </mc:AlternateContent>
+  <p:timing>
+    <p:tnLst>
+      <p:par>
+        <p:cTn id="1" dur="indefinite" restart="never" nodeType="tmRoot"/>
+      </p:par>
+    </p:tnLst>
+  </p:timing>
+</p:sld>
+</file>
+
+<file path=ppt/slides/slide5.xml><?xml version="1.0" encoding="utf-8"?>
 <p:sld xmlns:a="http://schemas.openxmlformats.org/drawingml/2006/main" xmlns:r="http://schemas.openxmlformats.org/officeDocument/2006/relationships" xmlns:p="http://schemas.openxmlformats.org/presentationml/2006/main" xmlns:p14="http://schemas.microsoft.com/office/powerpoint/2010/main">
   <p:cSld>
     <p:spTree>
@@ -8358,7 +10395,7 @@
 </p:sld>
 </file>
 
-<file path=ppt/slides/slide11.xml><?xml version="1.0" encoding="utf-8"?>
+<file path=ppt/slides/slide6.xml><?xml version="1.0" encoding="utf-8"?>
 <p:sld xmlns:a="http://schemas.openxmlformats.org/drawingml/2006/main" xmlns:r="http://schemas.openxmlformats.org/officeDocument/2006/relationships" xmlns:p="http://schemas.openxmlformats.org/presentationml/2006/main">
   <p:cSld>
     <p:spTree>
@@ -8719,557 +10756,7 @@
 </p:sld>
 </file>
 
-<file path=ppt/slides/slide2.xml><?xml version="1.0" encoding="utf-8"?>
-<p:sld xmlns:a="http://schemas.openxmlformats.org/drawingml/2006/main" xmlns:r="http://schemas.openxmlformats.org/officeDocument/2006/relationships" xmlns:p="http://schemas.openxmlformats.org/presentationml/2006/main" xmlns:p14="http://schemas.microsoft.com/office/powerpoint/2010/main">
-  <p:cSld>
-    <p:spTree>
-      <p:nvGrpSpPr>
-        <p:cNvPr id="1" name=""/>
-        <p:cNvGrpSpPr/>
-        <p:nvPr/>
-      </p:nvGrpSpPr>
-      <p:grpSpPr>
-        <a:xfrm>
-          <a:off x="0" y="0"/>
-          <a:ext cx="0" cy="0"/>
-          <a:chOff x="0" y="0"/>
-          <a:chExt cx="0" cy="0"/>
-        </a:xfrm>
-      </p:grpSpPr>
-      <p:sp>
-        <p:nvSpPr>
-          <p:cNvPr id="2" name="텍스트 개체 틀 1"/>
-          <p:cNvSpPr txBox="1">
-            <a:spLocks/>
-          </p:cNvSpPr>
-          <p:nvPr>
-            <p:ph type="title"/>
-          </p:nvPr>
-        </p:nvSpPr>
-        <p:spPr>
-          <a:xfrm rot="0">
-            <a:off x="838200" y="365125"/>
-            <a:ext cx="10516870" cy="1327150"/>
-          </a:xfrm>
-          <a:prstGeom prst="rect"/>
-        </p:spPr>
-        <p:txBody>
-          <a:bodyPr wrap="square" lIns="91440" tIns="45720" rIns="91440" bIns="45720" vert="horz" anchor="ctr">
-            <a:normAutofit fontScale="100000" lnSpcReduction="0"/>
-          </a:bodyPr>
-          <a:lstStyle/>
-          <a:p>
-            <a:pPr marL="0" indent="0" algn="l" fontAlgn="auto" defTabSz="914400" eaLnBrk="0">
-              <a:lnSpc>
-                <a:spcPct val="90000"/>
-              </a:lnSpc>
-              <a:spcBef>
-                <a:spcPts val="0"/>
-              </a:spcBef>
-              <a:spcAft>
-                <a:spcPts val="0"/>
-              </a:spcAft>
-              <a:buFontTx/>
-              <a:buNone/>
-            </a:pPr>
-            <a:r>
-              <a:rPr lang="en-US" altLang="ko-KR" sz="4400" cap="none" dirty="0" smtClean="0" b="0" strike="noStrike">
-                <a:latin typeface="맑은 고딕" charset="0"/>
-                <a:ea typeface="맑은 고딕" charset="0"/>
-              </a:rPr>
-              <a:t>컴퓨터 견적 맞추기</a:t>
-            </a:r>
-            <a:endParaRPr lang="ko-KR" altLang="en-US" sz="4400" cap="none" dirty="0" smtClean="0" b="0" strike="noStrike">
-              <a:latin typeface="맑은 고딕" charset="0"/>
-              <a:ea typeface="맑은 고딕" charset="0"/>
-            </a:endParaRPr>
-          </a:p>
-        </p:txBody>
-      </p:sp>
-      <p:sp>
-        <p:nvSpPr>
-          <p:cNvPr id="3" name="내용 개체 틀 2"/>
-          <p:cNvSpPr txBox="1">
-            <a:spLocks/>
-          </p:cNvSpPr>
-          <p:nvPr>
-            <p:ph type="obj" idx="1"/>
-          </p:nvPr>
-        </p:nvSpPr>
-        <p:spPr>
-          <a:xfrm>
-            <a:off x="838200" y="1825625"/>
-            <a:ext cx="10517505" cy="4353560"/>
-          </a:xfrm>
-          <a:prstGeom prst="rect"/>
-        </p:spPr>
-        <p:txBody>
-          <a:bodyPr wrap="square" lIns="91440" tIns="45720" rIns="91440" bIns="45720" numCol="1" vert="horz" anchor="t">
-            <a:normAutofit fontScale="100000" lnSpcReduction="0"/>
-          </a:bodyPr>
-          <a:lstStyle/>
-          <a:p>
-            <a:pPr marL="228600" indent="-228600" algn="l" fontAlgn="auto" defTabSz="914400" eaLnBrk="0">
-              <a:lnSpc>
-                <a:spcPct val="90000"/>
-              </a:lnSpc>
-              <a:spcBef>
-                <a:spcPts val="1000"/>
-              </a:spcBef>
-              <a:spcAft>
-                <a:spcPts val="0"/>
-              </a:spcAft>
-              <a:buClr>
-                <a:srgbClr val="404040"/>
-              </a:buClr>
-              <a:buFont typeface="맑은 고딕"/>
-              <a:buChar char="•"/>
-            </a:pPr>
-            <a:r>
-              <a:rPr lang="en-US" altLang="ko-KR" sz="2800" cap="none" dirty="0" smtClean="0" b="0" strike="noStrike">
-                <a:solidFill>
-                  <a:schemeClr val="tx1">
-                    <a:lumMod val="75000"/>
-                    <a:lumOff val="25000"/>
-                  </a:schemeClr>
-                </a:solidFill>
-                <a:latin typeface="맑은 고딕" charset="0"/>
-                <a:ea typeface="맑은 고딕" charset="0"/>
-              </a:rPr>
-              <a:t>예산 이내에서 최고 성능으로 구성</a:t>
-            </a:r>
-            <a:endParaRPr lang="ko-KR" altLang="en-US" sz="2800" cap="none" dirty="0" smtClean="0" b="0" strike="noStrike">
-              <a:solidFill>
-                <a:schemeClr val="tx1">
-                  <a:lumMod val="75000"/>
-                  <a:lumOff val="25000"/>
-                </a:schemeClr>
-              </a:solidFill>
-              <a:latin typeface="맑은 고딕" charset="0"/>
-              <a:ea typeface="맑은 고딕" charset="0"/>
-            </a:endParaRPr>
-          </a:p>
-          <a:p>
-            <a:pPr marL="228600" indent="-228600" algn="l" fontAlgn="auto" defTabSz="914400" eaLnBrk="0">
-              <a:lnSpc>
-                <a:spcPct val="90000"/>
-              </a:lnSpc>
-              <a:spcBef>
-                <a:spcPts val="1000"/>
-              </a:spcBef>
-              <a:spcAft>
-                <a:spcPts val="0"/>
-              </a:spcAft>
-              <a:buClr>
-                <a:srgbClr val="404040"/>
-              </a:buClr>
-              <a:buFont typeface="맑은 고딕"/>
-              <a:buChar char="•"/>
-            </a:pPr>
-            <a:r>
-              <a:rPr lang="en-US" altLang="ko-KR" sz="2800" cap="none" dirty="0" smtClean="0" b="0" strike="noStrike">
-                <a:solidFill>
-                  <a:schemeClr val="tx1">
-                    <a:lumMod val="75000"/>
-                    <a:lumOff val="25000"/>
-                  </a:schemeClr>
-                </a:solidFill>
-                <a:latin typeface="맑은 고딕" charset="0"/>
-                <a:ea typeface="맑은 고딕" charset="0"/>
-              </a:rPr>
-              <a:t>사용 목적에 따른 구성</a:t>
-            </a:r>
-            <a:endParaRPr lang="ko-KR" altLang="en-US" sz="2800" cap="none" dirty="0" smtClean="0" b="0" strike="noStrike">
-              <a:solidFill>
-                <a:schemeClr val="tx1">
-                  <a:lumMod val="75000"/>
-                  <a:lumOff val="25000"/>
-                </a:schemeClr>
-              </a:solidFill>
-              <a:latin typeface="맑은 고딕" charset="0"/>
-              <a:ea typeface="맑은 고딕" charset="0"/>
-            </a:endParaRPr>
-          </a:p>
-          <a:p>
-            <a:pPr marL="228600" indent="-228600" algn="l" fontAlgn="auto" defTabSz="914400" eaLnBrk="0">
-              <a:lnSpc>
-                <a:spcPct val="90000"/>
-              </a:lnSpc>
-              <a:spcBef>
-                <a:spcPts val="1000"/>
-              </a:spcBef>
-              <a:spcAft>
-                <a:spcPts val="0"/>
-              </a:spcAft>
-              <a:buClr>
-                <a:srgbClr val="404040"/>
-              </a:buClr>
-              <a:buFont typeface="맑은 고딕"/>
-              <a:buChar char="•"/>
-            </a:pPr>
-            <a:r>
-              <a:rPr lang="en-US" altLang="ko-KR" sz="2800" cap="none" dirty="0" smtClean="0" b="0" strike="noStrike">
-                <a:solidFill>
-                  <a:schemeClr val="tx1">
-                    <a:lumMod val="75000"/>
-                    <a:lumOff val="25000"/>
-                  </a:schemeClr>
-                </a:solidFill>
-                <a:latin typeface="맑은 고딕" charset="0"/>
-                <a:ea typeface="맑은 고딕" charset="0"/>
-              </a:rPr>
-              <a:t>컴퓨터 부품 업그레이드</a:t>
-            </a:r>
-            <a:endParaRPr lang="ko-KR" altLang="en-US" sz="2800" cap="none" dirty="0" smtClean="0" b="0" strike="noStrike">
-              <a:solidFill>
-                <a:schemeClr val="tx1">
-                  <a:lumMod val="75000"/>
-                  <a:lumOff val="25000"/>
-                </a:schemeClr>
-              </a:solidFill>
-              <a:latin typeface="맑은 고딕" charset="0"/>
-              <a:ea typeface="맑은 고딕" charset="0"/>
-            </a:endParaRPr>
-          </a:p>
-          <a:p>
-            <a:pPr marL="228600" indent="-228600" algn="l" fontAlgn="auto" defTabSz="914400" eaLnBrk="0">
-              <a:lnSpc>
-                <a:spcPct val="90000"/>
-              </a:lnSpc>
-              <a:spcBef>
-                <a:spcPts val="1000"/>
-              </a:spcBef>
-              <a:spcAft>
-                <a:spcPts val="0"/>
-              </a:spcAft>
-              <a:buClr>
-                <a:srgbClr val="404040"/>
-              </a:buClr>
-              <a:buFont typeface="맑은 고딕"/>
-              <a:buChar char="•"/>
-            </a:pPr>
-            <a:endParaRPr lang="ko-KR" altLang="en-US" sz="2800" cap="none" dirty="0" smtClean="0" b="0" strike="noStrike">
-              <a:solidFill>
-                <a:schemeClr val="tx1">
-                  <a:lumMod val="75000"/>
-                  <a:lumOff val="25000"/>
-                </a:schemeClr>
-              </a:solidFill>
-              <a:latin typeface="맑은 고딕" charset="0"/>
-              <a:ea typeface="맑은 고딕" charset="0"/>
-            </a:endParaRPr>
-          </a:p>
-          <a:p>
-            <a:pPr marL="0" indent="0" algn="l" fontAlgn="auto" defTabSz="914400" eaLnBrk="0">
-              <a:lnSpc>
-                <a:spcPct val="90000"/>
-              </a:lnSpc>
-              <a:spcBef>
-                <a:spcPts val="1000"/>
-              </a:spcBef>
-              <a:spcAft>
-                <a:spcPts val="0"/>
-              </a:spcAft>
-              <a:buFontTx/>
-              <a:buNone/>
-            </a:pPr>
-            <a:r>
-              <a:rPr lang="en-US" altLang="ko-KR" sz="2800" cap="none" dirty="0" smtClean="0" b="0" strike="noStrike">
-                <a:solidFill>
-                  <a:schemeClr val="tx1">
-                    <a:lumMod val="75000"/>
-                    <a:lumOff val="25000"/>
-                  </a:schemeClr>
-                </a:solidFill>
-                <a:latin typeface="맑은 고딕" charset="0"/>
-                <a:ea typeface="맑은 고딕" charset="0"/>
-              </a:rPr>
-              <a:t> 따라서 객관적인 지표가 필요</a:t>
-            </a:r>
-            <a:endParaRPr lang="ko-KR" altLang="en-US" sz="2800" cap="none" dirty="0" smtClean="0" b="0" strike="noStrike">
-              <a:solidFill>
-                <a:schemeClr val="tx1">
-                  <a:lumMod val="75000"/>
-                  <a:lumOff val="25000"/>
-                </a:schemeClr>
-              </a:solidFill>
-              <a:latin typeface="맑은 고딕" charset="0"/>
-              <a:ea typeface="맑은 고딕" charset="0"/>
-            </a:endParaRPr>
-          </a:p>
-        </p:txBody>
-      </p:sp>
-    </p:spTree>
-  </p:cSld>
-  <p:clrMapOvr>
-    <a:masterClrMapping/>
-  </p:clrMapOvr>
-  <mc:AlternateContent xmlns:mc="http://schemas.openxmlformats.org/markup-compatibility/2006">
-    <mc:Choice xmlns:p14="http://schemas.microsoft.com/office/powerpoint/2010/main" Requires="p14">
-      <p:transition spd="slow" p14:dur="1000"/>
-    </mc:Choice>
-    <mc:Fallback>
-      <p:transition spd="slow"/>
-    </mc:Fallback>
-  </mc:AlternateContent>
-  <p:timing>
-    <p:tnLst>
-      <p:par>
-        <p:cTn id="1" dur="indefinite" restart="never" nodeType="tmRoot"/>
-      </p:par>
-    </p:tnLst>
-  </p:timing>
-</p:sld>
-</file>
-
-<file path=ppt/slides/slide3.xml><?xml version="1.0" encoding="utf-8"?>
-<p:sld xmlns:a="http://schemas.openxmlformats.org/drawingml/2006/main" xmlns:r="http://schemas.openxmlformats.org/officeDocument/2006/relationships" xmlns:p="http://schemas.openxmlformats.org/presentationml/2006/main" xmlns:p14="http://schemas.microsoft.com/office/powerpoint/2010/main">
-  <p:cSld>
-    <p:spTree>
-      <p:nvGrpSpPr>
-        <p:cNvPr id="1" name=""/>
-        <p:cNvGrpSpPr/>
-        <p:nvPr/>
-      </p:nvGrpSpPr>
-      <p:grpSpPr>
-        <a:xfrm>
-          <a:off x="0" y="0"/>
-          <a:ext cx="0" cy="0"/>
-          <a:chOff x="0" y="0"/>
-          <a:chExt cx="0" cy="0"/>
-        </a:xfrm>
-      </p:grpSpPr>
-      <p:sp>
-        <p:nvSpPr>
-          <p:cNvPr id="2" name="텍스트 개체 틀 1"/>
-          <p:cNvSpPr txBox="1">
-            <a:spLocks/>
-          </p:cNvSpPr>
-          <p:nvPr>
-            <p:ph type="title"/>
-          </p:nvPr>
-        </p:nvSpPr>
-        <p:spPr>
-          <a:xfrm rot="0">
-            <a:off x="838200" y="365125"/>
-            <a:ext cx="10516870" cy="1327150"/>
-          </a:xfrm>
-          <a:prstGeom prst="rect"/>
-        </p:spPr>
-        <p:txBody>
-          <a:bodyPr wrap="square" lIns="91440" tIns="45720" rIns="91440" bIns="45720" vert="horz" anchor="ctr">
-            <a:normAutofit fontScale="100000" lnSpcReduction="0"/>
-          </a:bodyPr>
-          <a:lstStyle/>
-          <a:p>
-            <a:pPr marL="0" indent="0" algn="l" fontAlgn="auto" defTabSz="914400" eaLnBrk="0">
-              <a:lnSpc>
-                <a:spcPct val="90000"/>
-              </a:lnSpc>
-              <a:spcBef>
-                <a:spcPts val="0"/>
-              </a:spcBef>
-              <a:spcAft>
-                <a:spcPts val="0"/>
-              </a:spcAft>
-              <a:buFontTx/>
-              <a:buNone/>
-            </a:pPr>
-            <a:r>
-              <a:rPr lang="en-US" altLang="ko-KR" sz="4400" cap="none" dirty="0" smtClean="0" b="0" strike="noStrike">
-                <a:latin typeface="맑은 고딕" charset="0"/>
-                <a:ea typeface="맑은 고딕" charset="0"/>
-              </a:rPr>
-              <a:t>벤치마크란?</a:t>
-            </a:r>
-            <a:endParaRPr lang="ko-KR" altLang="en-US" sz="4400" cap="none" dirty="0" smtClean="0" b="0" strike="noStrike">
-              <a:latin typeface="맑은 고딕" charset="0"/>
-              <a:ea typeface="맑은 고딕" charset="0"/>
-            </a:endParaRPr>
-          </a:p>
-        </p:txBody>
-      </p:sp>
-      <p:sp>
-        <p:nvSpPr>
-          <p:cNvPr id="3" name="내용 개체 틀 2"/>
-          <p:cNvSpPr txBox="1">
-            <a:spLocks/>
-          </p:cNvSpPr>
-          <p:nvPr>
-            <p:ph type="obj" idx="1"/>
-          </p:nvPr>
-        </p:nvSpPr>
-        <p:spPr>
-          <a:xfrm>
-            <a:off x="838200" y="1825625"/>
-            <a:ext cx="10517505" cy="4353560"/>
-          </a:xfrm>
-          <a:prstGeom prst="rect"/>
-        </p:spPr>
-        <p:txBody>
-          <a:bodyPr wrap="square" lIns="91440" tIns="45720" rIns="91440" bIns="45720" numCol="1" vert="horz" anchor="t">
-            <a:normAutofit fontScale="100000" lnSpcReduction="0"/>
-          </a:bodyPr>
-          <a:lstStyle/>
-          <a:p>
-            <a:pPr marL="228600" indent="-228600" algn="l" fontAlgn="auto" defTabSz="914400" eaLnBrk="0">
-              <a:lnSpc>
-                <a:spcPct val="90000"/>
-              </a:lnSpc>
-              <a:spcBef>
-                <a:spcPts val="1000"/>
-              </a:spcBef>
-              <a:spcAft>
-                <a:spcPts val="0"/>
-              </a:spcAft>
-              <a:buClr>
-                <a:srgbClr val="404040"/>
-              </a:buClr>
-              <a:buFont typeface="Arial"/>
-              <a:buChar char="•"/>
-            </a:pPr>
-            <a:r>
-              <a:rPr lang="en-US" altLang="ko-KR" sz="2000" cap="none" dirty="0" smtClean="0" b="0" strike="noStrike">
-                <a:solidFill>
-                  <a:srgbClr val="373A3C"/>
-                </a:solidFill>
-                <a:latin typeface="맑은 고딕" charset="0"/>
-                <a:ea typeface="맑은 고딕" charset="0"/>
-              </a:rPr>
-              <a:t>토지 측량에서 사용되는 수준 기표</a:t>
-            </a:r>
-            <a:endParaRPr lang="ko-KR" altLang="en-US" sz="2000" cap="none" dirty="0" smtClean="0" b="0" strike="noStrike">
-              <a:solidFill>
-                <a:srgbClr val="373A3C"/>
-              </a:solidFill>
-              <a:latin typeface="맑은 고딕" charset="0"/>
-              <a:ea typeface="맑은 고딕" charset="0"/>
-            </a:endParaRPr>
-          </a:p>
-          <a:p>
-            <a:pPr marL="228600" indent="-228600" algn="l" fontAlgn="auto" defTabSz="914400" eaLnBrk="0">
-              <a:lnSpc>
-                <a:spcPct val="90000"/>
-              </a:lnSpc>
-              <a:spcBef>
-                <a:spcPts val="1000"/>
-              </a:spcBef>
-              <a:spcAft>
-                <a:spcPts val="0"/>
-              </a:spcAft>
-              <a:buClr>
-                <a:srgbClr val="404040"/>
-              </a:buClr>
-              <a:buFont typeface="Arial"/>
-              <a:buChar char="•"/>
-            </a:pPr>
-            <a:r>
-              <a:rPr lang="en-US" altLang="ko-KR" sz="2000" cap="none" dirty="0" smtClean="0" b="0" strike="noStrike">
-                <a:solidFill>
-                  <a:srgbClr val="373A3C"/>
-                </a:solidFill>
-                <a:latin typeface="맑은 고딕" charset="0"/>
-                <a:ea typeface="맑은 고딕" charset="0"/>
-              </a:rPr>
-              <a:t>어떤 것이 높고 낮음을 나타내는 기준점을 의미한다.</a:t>
-            </a:r>
-            <a:endParaRPr lang="ko-KR" altLang="en-US" sz="2000" cap="none" dirty="0" smtClean="0" b="0" strike="noStrike">
-              <a:solidFill>
-                <a:srgbClr val="373A3C"/>
-              </a:solidFill>
-              <a:latin typeface="맑은 고딕" charset="0"/>
-              <a:ea typeface="맑은 고딕" charset="0"/>
-            </a:endParaRPr>
-          </a:p>
-          <a:p>
-            <a:pPr marL="228600" indent="-228600" algn="l" fontAlgn="auto" defTabSz="914400" eaLnBrk="0">
-              <a:lnSpc>
-                <a:spcPct val="90000"/>
-              </a:lnSpc>
-              <a:spcBef>
-                <a:spcPts val="1000"/>
-              </a:spcBef>
-              <a:spcAft>
-                <a:spcPts val="0"/>
-              </a:spcAft>
-              <a:buClr>
-                <a:srgbClr val="404040"/>
-              </a:buClr>
-              <a:buFont typeface="Arial"/>
-              <a:buChar char="•"/>
-            </a:pPr>
-            <a:r>
-              <a:rPr lang="en-US" altLang="ko-KR" sz="2000" cap="none" dirty="0" smtClean="0" b="0" strike="noStrike">
-                <a:solidFill>
-                  <a:srgbClr val="373A3C"/>
-                </a:solidFill>
-                <a:latin typeface="맑은 고딕" charset="0"/>
-                <a:ea typeface="맑은 고딕" charset="0"/>
-              </a:rPr>
-              <a:t>즉 벤치마크가 담고 있는 의미는 조사 대상을 여러 가지 방법으로 측정하여 누구라도 인정할 수 있도록 표준화시키는 과정이라고 할 수 있다. </a:t>
-            </a:r>
-            <a:endParaRPr lang="ko-KR" altLang="en-US" sz="2000" cap="none" dirty="0" smtClean="0" b="0" strike="noStrike">
-              <a:solidFill>
-                <a:srgbClr val="373A3C"/>
-              </a:solidFill>
-              <a:latin typeface="맑은 고딕" charset="0"/>
-              <a:ea typeface="맑은 고딕" charset="0"/>
-            </a:endParaRPr>
-          </a:p>
-          <a:p>
-            <a:pPr marL="228600" indent="-228600" algn="l" fontAlgn="auto" defTabSz="914400" eaLnBrk="0">
-              <a:lnSpc>
-                <a:spcPct val="90000"/>
-              </a:lnSpc>
-              <a:spcBef>
-                <a:spcPts val="1000"/>
-              </a:spcBef>
-              <a:spcAft>
-                <a:spcPts val="0"/>
-              </a:spcAft>
-              <a:buClr>
-                <a:srgbClr val="404040"/>
-              </a:buClr>
-              <a:buFont typeface="Arial"/>
-              <a:buChar char="•"/>
-            </a:pPr>
-            <a:endParaRPr lang="ko-KR" altLang="en-US" sz="2000" cap="none" dirty="0" smtClean="0" b="0" strike="noStrike">
-              <a:solidFill>
-                <a:schemeClr val="tx1">
-                  <a:lumMod val="75000"/>
-                  <a:lumOff val="25000"/>
-                </a:schemeClr>
-              </a:solidFill>
-              <a:latin typeface="맑은 고딕" charset="0"/>
-              <a:ea typeface="맑은 고딕" charset="0"/>
-            </a:endParaRPr>
-          </a:p>
-        </p:txBody>
-      </p:sp>
-    </p:spTree>
-  </p:cSld>
-  <p:clrMapOvr>
-    <a:masterClrMapping/>
-  </p:clrMapOvr>
-  <mc:AlternateContent xmlns:mc="http://schemas.openxmlformats.org/markup-compatibility/2006">
-    <mc:Choice xmlns:p14="http://schemas.microsoft.com/office/powerpoint/2010/main" Requires="p14">
-      <p:transition spd="slow" p14:dur="1000"/>
-    </mc:Choice>
-    <mc:Fallback>
-      <p:transition spd="slow"/>
-    </mc:Fallback>
-  </mc:AlternateContent>
-  <p:timing>
-    <p:tnLst>
-      <p:par>
-        <p:cTn id="1" dur="indefinite" restart="never" nodeType="tmRoot"/>
-      </p:par>
-    </p:tnLst>
-  </p:timing>
-</p:sld>
-</file>
-
-<file path=ppt/slides/slide4.xml><?xml version="1.0" encoding="utf-8"?>
+<file path=ppt/slides/slide7.xml><?xml version="1.0" encoding="utf-8"?>
 <p:sld xmlns:a="http://schemas.openxmlformats.org/drawingml/2006/main" xmlns:r="http://schemas.openxmlformats.org/officeDocument/2006/relationships" xmlns:p="http://schemas.openxmlformats.org/presentationml/2006/main" xmlns:p14="http://schemas.microsoft.com/office/powerpoint/2010/main">
   <p:cSld>
     <p:spTree>
@@ -9877,7 +11364,7 @@
 </p:sld>
 </file>
 
-<file path=ppt/slides/slide5.xml><?xml version="1.0" encoding="utf-8"?>
+<file path=ppt/slides/slide8.xml><?xml version="1.0" encoding="utf-8"?>
 <p:sld xmlns:a="http://schemas.openxmlformats.org/drawingml/2006/main" xmlns:r="http://schemas.openxmlformats.org/officeDocument/2006/relationships" xmlns:p="http://schemas.openxmlformats.org/presentationml/2006/main" xmlns:p14="http://schemas.microsoft.com/office/powerpoint/2010/main">
   <p:cSld>
     <p:spTree>
@@ -11559,7 +13046,7 @@
 </p:sld>
 </file>
 
-<file path=ppt/slides/slide6.xml><?xml version="1.0" encoding="utf-8"?>
+<file path=ppt/slides/slide9.xml><?xml version="1.0" encoding="utf-8"?>
 <p:sld xmlns:a="http://schemas.openxmlformats.org/drawingml/2006/main" xmlns:r="http://schemas.openxmlformats.org/officeDocument/2006/relationships" xmlns:p="http://schemas.openxmlformats.org/presentationml/2006/main" xmlns:p14="http://schemas.microsoft.com/office/powerpoint/2010/main">
   <p:cSld>
     <p:spTree>
@@ -12143,1486 +13630,6 @@
       </p:par>
     </p:tnLst>
   </p:timing>
-</p:sld>
-</file>
-
-<file path=ppt/slides/slide7.xml><?xml version="1.0" encoding="utf-8"?>
-<p:sld xmlns:a="http://schemas.openxmlformats.org/drawingml/2006/main" xmlns:r="http://schemas.openxmlformats.org/officeDocument/2006/relationships" xmlns:p="http://schemas.openxmlformats.org/presentationml/2006/main" xmlns:p14="http://schemas.microsoft.com/office/powerpoint/2010/main">
-  <p:cSld>
-    <p:spTree>
-      <p:nvGrpSpPr>
-        <p:cNvPr id="1" name=""/>
-        <p:cNvGrpSpPr/>
-        <p:nvPr/>
-      </p:nvGrpSpPr>
-      <p:grpSpPr>
-        <a:xfrm>
-          <a:off x="0" y="0"/>
-          <a:ext cx="0" cy="0"/>
-          <a:chOff x="0" y="0"/>
-          <a:chExt cx="0" cy="0"/>
-        </a:xfrm>
-      </p:grpSpPr>
-      <p:sp>
-        <p:nvSpPr>
-          <p:cNvPr id="2" name="텍스트 개체 틀 1"/>
-          <p:cNvSpPr txBox="1">
-            <a:spLocks/>
-          </p:cNvSpPr>
-          <p:nvPr>
-            <p:ph type="title"/>
-          </p:nvPr>
-        </p:nvSpPr>
-        <p:spPr>
-          <a:xfrm rot="0">
-            <a:off x="838200" y="365125"/>
-            <a:ext cx="10516235" cy="1326515"/>
-          </a:xfrm>
-          <a:prstGeom prst="rect"/>
-        </p:spPr>
-        <p:txBody>
-          <a:bodyPr wrap="square" lIns="91440" tIns="45720" rIns="91440" bIns="45720" numCol="1" vert="horz" anchor="ctr">
-            <a:normAutofit fontScale="100000" lnSpcReduction="0"/>
-          </a:bodyPr>
-          <a:lstStyle/>
-          <a:p>
-            <a:pPr marL="0" indent="0" algn="l" fontAlgn="auto" defTabSz="914400">
-              <a:lnSpc>
-                <a:spcPct val="90000"/>
-              </a:lnSpc>
-              <a:spcBef>
-                <a:spcPts val="0"/>
-              </a:spcBef>
-              <a:spcAft>
-                <a:spcPts val="0"/>
-              </a:spcAft>
-              <a:buFontTx/>
-              <a:buNone/>
-            </a:pPr>
-            <a:r>
-              <a:rPr lang="en-US" altLang="ko-KR" sz="4400" cap="none" dirty="0" smtClean="0" b="0" strike="noStrike">
-                <a:solidFill>
-                  <a:schemeClr val="tx1"/>
-                </a:solidFill>
-                <a:latin typeface="맑은 고딕" charset="0"/>
-                <a:ea typeface="맑은 고딕" charset="0"/>
-              </a:rPr>
-              <a:t>Main Board</a:t>
-            </a:r>
-            <a:endParaRPr lang="ko-KR" altLang="en-US" sz="4400" cap="none" dirty="0" smtClean="0" b="0" strike="noStrike">
-              <a:solidFill>
-                <a:schemeClr val="tx1"/>
-              </a:solidFill>
-              <a:latin typeface="맑은 고딕" charset="0"/>
-              <a:ea typeface="맑은 고딕" charset="0"/>
-            </a:endParaRPr>
-          </a:p>
-        </p:txBody>
-      </p:sp>
-      <p:sp>
-        <p:nvSpPr>
-          <p:cNvPr id="3" name="내용 개체 틀 2"/>
-          <p:cNvSpPr txBox="1">
-            <a:spLocks/>
-          </p:cNvSpPr>
-          <p:nvPr>
-            <p:ph type="obj" idx="1"/>
-          </p:nvPr>
-        </p:nvSpPr>
-        <p:spPr>
-          <a:xfrm>
-            <a:off x="838200" y="1825625"/>
-            <a:ext cx="10517505" cy="4353560"/>
-          </a:xfrm>
-          <a:prstGeom prst="rect"/>
-        </p:spPr>
-        <p:txBody>
-          <a:bodyPr wrap="square" lIns="91440" tIns="45720" rIns="91440" bIns="45720" numCol="1" vert="horz" anchor="t">
-            <a:normAutofit fontScale="100000" lnSpcReduction="0"/>
-          </a:bodyPr>
-          <a:lstStyle/>
-          <a:p>
-            <a:pPr marL="228600" indent="-228600" algn="l" fontAlgn="auto" defTabSz="914400" eaLnBrk="0">
-              <a:lnSpc>
-                <a:spcPct val="90000"/>
-              </a:lnSpc>
-              <a:spcBef>
-                <a:spcPts val="1000"/>
-              </a:spcBef>
-              <a:spcAft>
-                <a:spcPts val="0"/>
-              </a:spcAft>
-              <a:buClr>
-                <a:srgbClr val="404040"/>
-              </a:buClr>
-              <a:buFont typeface="맑은 고딕"/>
-              <a:buChar char="•"/>
-            </a:pPr>
-            <a:r>
-              <a:rPr lang="en-US" altLang="ko-KR" sz="2800" cap="none" dirty="0" smtClean="0" b="0" strike="noStrike">
-                <a:solidFill>
-                  <a:schemeClr val="tx1">
-                    <a:lumMod val="75000"/>
-                    <a:lumOff val="25000"/>
-                  </a:schemeClr>
-                </a:solidFill>
-                <a:latin typeface="맑은 고딕" charset="0"/>
-                <a:ea typeface="맑은 고딕" charset="0"/>
-              </a:rPr>
-              <a:t>벤치마크 점수 보다 CPU와 GPU, 메모리카드(RAM)와 호환성이 더 중요</a:t>
-            </a:r>
-            <a:endParaRPr lang="ko-KR" altLang="en-US" sz="2800" cap="none" dirty="0" smtClean="0" b="0" strike="noStrike">
-              <a:solidFill>
-                <a:schemeClr val="tx1">
-                  <a:lumMod val="75000"/>
-                  <a:lumOff val="25000"/>
-                </a:schemeClr>
-              </a:solidFill>
-              <a:latin typeface="맑은 고딕" charset="0"/>
-              <a:ea typeface="맑은 고딕" charset="0"/>
-            </a:endParaRPr>
-          </a:p>
-          <a:p>
-            <a:pPr marL="228600" indent="-228600" algn="l" fontAlgn="auto" defTabSz="914400" eaLnBrk="0">
-              <a:lnSpc>
-                <a:spcPct val="90000"/>
-              </a:lnSpc>
-              <a:spcBef>
-                <a:spcPts val="1000"/>
-              </a:spcBef>
-              <a:spcAft>
-                <a:spcPts val="0"/>
-              </a:spcAft>
-              <a:buClr>
-                <a:srgbClr val="404040"/>
-              </a:buClr>
-              <a:buFont typeface="맑은 고딕"/>
-              <a:buChar char="•"/>
-            </a:pPr>
-            <a:endParaRPr lang="ko-KR" altLang="en-US" sz="2800" cap="none" dirty="0" smtClean="0" b="0" strike="noStrike">
-              <a:solidFill>
-                <a:schemeClr val="tx1">
-                  <a:lumMod val="75000"/>
-                  <a:lumOff val="25000"/>
-                </a:schemeClr>
-              </a:solidFill>
-              <a:latin typeface="맑은 고딕" charset="0"/>
-              <a:ea typeface="맑은 고딕" charset="0"/>
-            </a:endParaRPr>
-          </a:p>
-          <a:p>
-            <a:pPr marL="228600" indent="-228600" algn="l" fontAlgn="auto" defTabSz="914400" eaLnBrk="0">
-              <a:lnSpc>
-                <a:spcPct val="90000"/>
-              </a:lnSpc>
-              <a:spcBef>
-                <a:spcPts val="1000"/>
-              </a:spcBef>
-              <a:spcAft>
-                <a:spcPts val="0"/>
-              </a:spcAft>
-              <a:buClr>
-                <a:srgbClr val="404040"/>
-              </a:buClr>
-              <a:buFont typeface="맑은 고딕"/>
-              <a:buChar char="•"/>
-            </a:pPr>
-            <a:r>
-              <a:rPr lang="en-US" altLang="ko-KR" sz="2800" cap="none" dirty="0" smtClean="0" b="0" strike="noStrike">
-                <a:solidFill>
-                  <a:schemeClr val="tx1">
-                    <a:lumMod val="75000"/>
-                    <a:lumOff val="25000"/>
-                  </a:schemeClr>
-                </a:solidFill>
-                <a:latin typeface="맑은 고딕" charset="0"/>
-                <a:ea typeface="맑은 고딕" charset="0"/>
-              </a:rPr>
-              <a:t>세부 칩셋 (H310, B360, Z370...)</a:t>
-            </a:r>
-            <a:endParaRPr lang="ko-KR" altLang="en-US" sz="2800" cap="none" dirty="0" smtClean="0" b="0" strike="noStrike">
-              <a:solidFill>
-                <a:schemeClr val="tx1">
-                  <a:lumMod val="75000"/>
-                  <a:lumOff val="25000"/>
-                </a:schemeClr>
-              </a:solidFill>
-              <a:latin typeface="맑은 고딕" charset="0"/>
-              <a:ea typeface="맑은 고딕" charset="0"/>
-            </a:endParaRPr>
-          </a:p>
-          <a:p>
-            <a:pPr marL="228600" indent="-228600" algn="l" fontAlgn="auto" defTabSz="914400" eaLnBrk="0">
-              <a:lnSpc>
-                <a:spcPct val="90000"/>
-              </a:lnSpc>
-              <a:spcBef>
-                <a:spcPts val="1000"/>
-              </a:spcBef>
-              <a:spcAft>
-                <a:spcPts val="0"/>
-              </a:spcAft>
-              <a:buClr>
-                <a:srgbClr val="404040"/>
-              </a:buClr>
-              <a:buFont typeface="맑은 고딕"/>
-              <a:buChar char="•"/>
-            </a:pPr>
-            <a:r>
-              <a:rPr lang="en-US" altLang="ko-KR" sz="2800" cap="none" dirty="0" smtClean="0" b="0" strike="noStrike">
-                <a:solidFill>
-                  <a:schemeClr val="tx1">
-                    <a:lumMod val="75000"/>
-                    <a:lumOff val="25000"/>
-                  </a:schemeClr>
-                </a:solidFill>
-                <a:latin typeface="맑은 고딕" charset="0"/>
-                <a:ea typeface="맑은 고딕" charset="0"/>
-              </a:rPr>
-              <a:t>오버클럭을 포함한 부가 기능</a:t>
-            </a:r>
-            <a:endParaRPr lang="ko-KR" altLang="en-US" sz="2800" cap="none" dirty="0" smtClean="0" b="0" strike="noStrike">
-              <a:solidFill>
-                <a:schemeClr val="tx1">
-                  <a:lumMod val="75000"/>
-                  <a:lumOff val="25000"/>
-                </a:schemeClr>
-              </a:solidFill>
-              <a:latin typeface="맑은 고딕" charset="0"/>
-              <a:ea typeface="맑은 고딕" charset="0"/>
-            </a:endParaRPr>
-          </a:p>
-          <a:p>
-            <a:pPr marL="228600" indent="-228600" algn="l" fontAlgn="auto" defTabSz="914400" eaLnBrk="0">
-              <a:lnSpc>
-                <a:spcPct val="90000"/>
-              </a:lnSpc>
-              <a:spcBef>
-                <a:spcPts val="1000"/>
-              </a:spcBef>
-              <a:spcAft>
-                <a:spcPts val="0"/>
-              </a:spcAft>
-              <a:buClr>
-                <a:srgbClr val="404040"/>
-              </a:buClr>
-              <a:buFont typeface="맑은 고딕"/>
-              <a:buChar char="•"/>
-            </a:pPr>
-            <a:r>
-              <a:rPr lang="en-US" altLang="ko-KR" sz="2800" cap="none" dirty="0" smtClean="0" b="0" strike="noStrike">
-                <a:solidFill>
-                  <a:schemeClr val="tx1">
-                    <a:lumMod val="75000"/>
-                    <a:lumOff val="25000"/>
-                  </a:schemeClr>
-                </a:solidFill>
-                <a:latin typeface="맑은 고딕" charset="0"/>
-                <a:ea typeface="맑은 고딕" charset="0"/>
-              </a:rPr>
-              <a:t>지원하는 램 클럭수(2400Mhz ~ 4000Mhz)</a:t>
-            </a:r>
-            <a:endParaRPr lang="ko-KR" altLang="en-US" sz="2800" cap="none" dirty="0" smtClean="0" b="0" strike="noStrike">
-              <a:solidFill>
-                <a:schemeClr val="tx1">
-                  <a:lumMod val="75000"/>
-                  <a:lumOff val="25000"/>
-                </a:schemeClr>
-              </a:solidFill>
-              <a:latin typeface="맑은 고딕" charset="0"/>
-              <a:ea typeface="맑은 고딕" charset="0"/>
-            </a:endParaRPr>
-          </a:p>
-          <a:p>
-            <a:pPr marL="228600" indent="-228600" algn="l" fontAlgn="auto" defTabSz="914400" eaLnBrk="0">
-              <a:lnSpc>
-                <a:spcPct val="90000"/>
-              </a:lnSpc>
-              <a:spcBef>
-                <a:spcPts val="1000"/>
-              </a:spcBef>
-              <a:spcAft>
-                <a:spcPts val="0"/>
-              </a:spcAft>
-              <a:buClr>
-                <a:srgbClr val="404040"/>
-              </a:buClr>
-              <a:buFont typeface="맑은 고딕"/>
-              <a:buChar char="•"/>
-            </a:pPr>
-            <a:r>
-              <a:rPr lang="en-US" altLang="ko-KR" sz="2800" cap="none" dirty="0" smtClean="0" b="0" strike="noStrike">
-                <a:solidFill>
-                  <a:schemeClr val="tx1">
-                    <a:lumMod val="75000"/>
-                    <a:lumOff val="25000"/>
-                  </a:schemeClr>
-                </a:solidFill>
-                <a:latin typeface="맑은 고딕" charset="0"/>
-                <a:ea typeface="맑은 고딕" charset="0"/>
-              </a:rPr>
-              <a:t>메모리 슬롯 갯수</a:t>
-            </a:r>
-            <a:endParaRPr lang="ko-KR" altLang="en-US" sz="2800" cap="none" dirty="0" smtClean="0" b="0" strike="noStrike">
-              <a:solidFill>
-                <a:schemeClr val="tx1">
-                  <a:lumMod val="75000"/>
-                  <a:lumOff val="25000"/>
-                </a:schemeClr>
-              </a:solidFill>
-              <a:latin typeface="맑은 고딕" charset="0"/>
-              <a:ea typeface="맑은 고딕" charset="0"/>
-            </a:endParaRPr>
-          </a:p>
-          <a:p>
-            <a:pPr marL="228600" indent="-228600" algn="l" fontAlgn="auto" defTabSz="914400" eaLnBrk="0">
-              <a:lnSpc>
-                <a:spcPct val="90000"/>
-              </a:lnSpc>
-              <a:spcBef>
-                <a:spcPts val="1000"/>
-              </a:spcBef>
-              <a:spcAft>
-                <a:spcPts val="0"/>
-              </a:spcAft>
-              <a:buClr>
-                <a:srgbClr val="404040"/>
-              </a:buClr>
-              <a:buFont typeface="맑은 고딕"/>
-              <a:buChar char="•"/>
-            </a:pPr>
-            <a:r>
-              <a:rPr lang="en-US" altLang="ko-KR" sz="2800" cap="none" dirty="0" smtClean="0" b="0" strike="noStrike">
-                <a:solidFill>
-                  <a:schemeClr val="tx1">
-                    <a:lumMod val="75000"/>
-                    <a:lumOff val="25000"/>
-                  </a:schemeClr>
-                </a:solidFill>
-                <a:latin typeface="맑은 고딕" charset="0"/>
-                <a:ea typeface="맑은 고딕" charset="0"/>
-              </a:rPr>
-              <a:t>제조사 신뢰도</a:t>
-            </a:r>
-            <a:endParaRPr lang="ko-KR" altLang="en-US" sz="2800" cap="none" dirty="0" smtClean="0" b="0" strike="noStrike">
-              <a:solidFill>
-                <a:schemeClr val="tx1">
-                  <a:lumMod val="75000"/>
-                  <a:lumOff val="25000"/>
-                </a:schemeClr>
-              </a:solidFill>
-              <a:latin typeface="맑은 고딕" charset="0"/>
-              <a:ea typeface="맑은 고딕" charset="0"/>
-            </a:endParaRPr>
-          </a:p>
-        </p:txBody>
-      </p:sp>
-    </p:spTree>
-  </p:cSld>
-  <p:clrMapOvr>
-    <a:masterClrMapping/>
-  </p:clrMapOvr>
-  <mc:AlternateContent xmlns:mc="http://schemas.openxmlformats.org/markup-compatibility/2006">
-    <mc:Choice xmlns:p14="http://schemas.microsoft.com/office/powerpoint/2010/main" Requires="p14">
-      <p:transition spd="slow" p14:dur="1000"/>
-    </mc:Choice>
-    <mc:Fallback>
-      <p:transition spd="slow"/>
-    </mc:Fallback>
-  </mc:AlternateContent>
-  <p:timing>
-    <p:tnLst>
-      <p:par>
-        <p:cTn id="1" dur="indefinite" restart="never" nodeType="tmRoot"/>
-      </p:par>
-    </p:tnLst>
-  </p:timing>
-</p:sld>
-</file>
-
-<file path=ppt/slides/slide8.xml><?xml version="1.0" encoding="utf-8"?>
-<p:sld xmlns:a="http://schemas.openxmlformats.org/drawingml/2006/main" xmlns:r="http://schemas.openxmlformats.org/officeDocument/2006/relationships" xmlns:p="http://schemas.openxmlformats.org/presentationml/2006/main" xmlns:p14="http://schemas.microsoft.com/office/powerpoint/2010/main">
-  <p:cSld>
-    <p:spTree>
-      <p:nvGrpSpPr>
-        <p:cNvPr id="1" name=""/>
-        <p:cNvGrpSpPr/>
-        <p:nvPr/>
-      </p:nvGrpSpPr>
-      <p:grpSpPr>
-        <a:xfrm>
-          <a:off x="0" y="0"/>
-          <a:ext cx="0" cy="0"/>
-          <a:chOff x="0" y="0"/>
-          <a:chExt cx="0" cy="0"/>
-        </a:xfrm>
-      </p:grpSpPr>
-      <p:sp>
-        <p:nvSpPr>
-          <p:cNvPr id="2" name="텍스트 개체 틀 1"/>
-          <p:cNvSpPr txBox="1">
-            <a:spLocks/>
-          </p:cNvSpPr>
-          <p:nvPr>
-            <p:ph type="title"/>
-          </p:nvPr>
-        </p:nvSpPr>
-        <p:spPr>
-          <a:xfrm rot="0">
-            <a:off x="838200" y="365125"/>
-            <a:ext cx="10517505" cy="1327785"/>
-          </a:xfrm>
-          <a:prstGeom prst="rect"/>
-        </p:spPr>
-        <p:txBody>
-          <a:bodyPr wrap="square" lIns="91440" tIns="45720" rIns="91440" bIns="45720" numCol="1" vert="horz" anchor="ctr">
-            <a:normAutofit fontScale="100000" lnSpcReduction="0"/>
-          </a:bodyPr>
-          <a:lstStyle/>
-          <a:p>
-            <a:pPr marL="0" indent="0" algn="l" fontAlgn="auto" defTabSz="914400" eaLnBrk="0">
-              <a:lnSpc>
-                <a:spcPct val="90000"/>
-              </a:lnSpc>
-              <a:spcBef>
-                <a:spcPts val="0"/>
-              </a:spcBef>
-              <a:spcAft>
-                <a:spcPts val="0"/>
-              </a:spcAft>
-              <a:buFontTx/>
-              <a:buNone/>
-            </a:pPr>
-            <a:r>
-              <a:rPr lang="en-US" altLang="ko-KR" sz="4400" cap="none" dirty="0" smtClean="0" b="0" strike="noStrike">
-                <a:latin typeface="맑은 고딕" charset="0"/>
-                <a:ea typeface="맑은 고딕" charset="0"/>
-              </a:rPr>
-              <a:t>기타 부품들</a:t>
-            </a:r>
-            <a:endParaRPr lang="ko-KR" altLang="en-US" sz="4400" cap="none" dirty="0" smtClean="0" b="0" strike="noStrike">
-              <a:latin typeface="맑은 고딕" charset="0"/>
-              <a:ea typeface="맑은 고딕" charset="0"/>
-            </a:endParaRPr>
-          </a:p>
-        </p:txBody>
-      </p:sp>
-      <p:sp>
-        <p:nvSpPr>
-          <p:cNvPr id="3" name="내용 개체 틀 2"/>
-          <p:cNvSpPr txBox="1">
-            <a:spLocks/>
-          </p:cNvSpPr>
-          <p:nvPr>
-            <p:ph type="obj" idx="1"/>
-          </p:nvPr>
-        </p:nvSpPr>
-        <p:spPr>
-          <a:xfrm rot="0">
-            <a:off x="838200" y="1825625"/>
-            <a:ext cx="10517505" cy="4509135"/>
-          </a:xfrm>
-          <a:prstGeom prst="rect"/>
-        </p:spPr>
-        <p:txBody>
-          <a:bodyPr wrap="square" lIns="91440" tIns="45720" rIns="91440" bIns="45720" numCol="1" vert="horz" anchor="t">
-            <a:normAutofit fontScale="100000" lnSpcReduction="0"/>
-          </a:bodyPr>
-          <a:lstStyle/>
-          <a:p>
-            <a:pPr marL="228600" indent="-228600" algn="l" fontAlgn="auto" defTabSz="914400" eaLnBrk="0">
-              <a:lnSpc>
-                <a:spcPct val="90000"/>
-              </a:lnSpc>
-              <a:spcBef>
-                <a:spcPts val="1000"/>
-              </a:spcBef>
-              <a:spcAft>
-                <a:spcPts val="0"/>
-              </a:spcAft>
-              <a:buClr>
-                <a:srgbClr val="404040"/>
-              </a:buClr>
-              <a:buFont typeface="맑은 고딕"/>
-              <a:buChar char="•"/>
-            </a:pPr>
-            <a:r>
-              <a:rPr lang="en-US" altLang="ko-KR" sz="1800" cap="none" dirty="0" smtClean="0" b="0" strike="noStrike">
-                <a:solidFill>
-                  <a:schemeClr val="tx1">
-                    <a:lumMod val="75000"/>
-                    <a:lumOff val="25000"/>
-                  </a:schemeClr>
-                </a:solidFill>
-                <a:latin typeface="맑은 고딕" charset="0"/>
-                <a:ea typeface="맑은 고딕" charset="0"/>
-              </a:rPr>
-              <a:t>기억장치</a:t>
-            </a:r>
-            <a:endParaRPr lang="ko-KR" altLang="en-US" sz="1800" cap="none" dirty="0" smtClean="0" b="0" strike="noStrike">
-              <a:solidFill>
-                <a:schemeClr val="tx1">
-                  <a:lumMod val="75000"/>
-                  <a:lumOff val="25000"/>
-                </a:schemeClr>
-              </a:solidFill>
-              <a:latin typeface="맑은 고딕" charset="0"/>
-              <a:ea typeface="맑은 고딕" charset="0"/>
-            </a:endParaRPr>
-          </a:p>
-          <a:p>
-            <a:pPr marL="457200" indent="0" algn="l" fontAlgn="auto" defTabSz="914400" eaLnBrk="0">
-              <a:lnSpc>
-                <a:spcPct val="90000"/>
-              </a:lnSpc>
-              <a:spcBef>
-                <a:spcPts val="1000"/>
-              </a:spcBef>
-              <a:spcAft>
-                <a:spcPts val="0"/>
-              </a:spcAft>
-              <a:buFontTx/>
-              <a:buNone/>
-            </a:pPr>
-            <a:r>
-              <a:rPr lang="en-US" altLang="ko-KR" sz="1800" cap="none" dirty="0" smtClean="0" b="0" strike="noStrike">
-                <a:solidFill>
-                  <a:schemeClr val="tx1">
-                    <a:lumMod val="75000"/>
-                    <a:lumOff val="25000"/>
-                  </a:schemeClr>
-                </a:solidFill>
-                <a:latin typeface="맑은 고딕" charset="0"/>
-                <a:ea typeface="맑은 고딕" charset="0"/>
-              </a:rPr>
-              <a:t>1. 읽기/쓰기 속도</a:t>
-            </a:r>
-            <a:endParaRPr lang="ko-KR" altLang="en-US" sz="1800" cap="none" dirty="0" smtClean="0" b="0" strike="noStrike">
-              <a:solidFill>
-                <a:schemeClr val="tx1">
-                  <a:lumMod val="75000"/>
-                  <a:lumOff val="25000"/>
-                </a:schemeClr>
-              </a:solidFill>
-              <a:latin typeface="맑은 고딕" charset="0"/>
-              <a:ea typeface="맑은 고딕" charset="0"/>
-            </a:endParaRPr>
-          </a:p>
-          <a:p>
-            <a:pPr marL="457200" indent="0" algn="l" fontAlgn="auto" defTabSz="914400" eaLnBrk="0">
-              <a:lnSpc>
-                <a:spcPct val="90000"/>
-              </a:lnSpc>
-              <a:spcBef>
-                <a:spcPts val="1000"/>
-              </a:spcBef>
-              <a:spcAft>
-                <a:spcPts val="0"/>
-              </a:spcAft>
-              <a:buFontTx/>
-              <a:buNone/>
-            </a:pPr>
-            <a:r>
-              <a:rPr lang="en-US" altLang="ko-KR" sz="1800" cap="none" dirty="0" smtClean="0" b="0" strike="noStrike">
-                <a:solidFill>
-                  <a:schemeClr val="tx1">
-                    <a:lumMod val="75000"/>
-                    <a:lumOff val="25000"/>
-                  </a:schemeClr>
-                </a:solidFill>
-                <a:latin typeface="맑은 고딕" charset="0"/>
-                <a:ea typeface="맑은 고딕" charset="0"/>
-              </a:rPr>
-              <a:t>2. AS 기간</a:t>
-            </a:r>
-            <a:endParaRPr lang="ko-KR" altLang="en-US" sz="1800" cap="none" dirty="0" smtClean="0" b="0" strike="noStrike">
-              <a:solidFill>
-                <a:schemeClr val="tx1">
-                  <a:lumMod val="75000"/>
-                  <a:lumOff val="25000"/>
-                </a:schemeClr>
-              </a:solidFill>
-              <a:latin typeface="맑은 고딕" charset="0"/>
-              <a:ea typeface="맑은 고딕" charset="0"/>
-            </a:endParaRPr>
-          </a:p>
-          <a:p>
-            <a:pPr marL="228600" indent="-228600" algn="l" fontAlgn="auto" defTabSz="914400" eaLnBrk="0">
-              <a:lnSpc>
-                <a:spcPct val="90000"/>
-              </a:lnSpc>
-              <a:spcBef>
-                <a:spcPts val="1000"/>
-              </a:spcBef>
-              <a:spcAft>
-                <a:spcPts val="0"/>
-              </a:spcAft>
-              <a:buClr>
-                <a:srgbClr val="404040"/>
-              </a:buClr>
-              <a:buFont typeface="맑은 고딕"/>
-              <a:buChar char="•"/>
-            </a:pPr>
-            <a:r>
-              <a:rPr lang="en-US" altLang="ko-KR" sz="1800" cap="none" dirty="0" smtClean="0" b="0" strike="noStrike">
-                <a:solidFill>
-                  <a:schemeClr val="tx1">
-                    <a:lumMod val="75000"/>
-                    <a:lumOff val="25000"/>
-                  </a:schemeClr>
-                </a:solidFill>
-                <a:latin typeface="맑은 고딕" charset="0"/>
-                <a:ea typeface="맑은 고딕" charset="0"/>
-              </a:rPr>
-              <a:t>파워</a:t>
-            </a:r>
-            <a:endParaRPr lang="ko-KR" altLang="en-US" sz="1800" cap="none" dirty="0" smtClean="0" b="0" strike="noStrike">
-              <a:solidFill>
-                <a:schemeClr val="tx1">
-                  <a:lumMod val="75000"/>
-                  <a:lumOff val="25000"/>
-                </a:schemeClr>
-              </a:solidFill>
-              <a:latin typeface="맑은 고딕" charset="0"/>
-              <a:ea typeface="맑은 고딕" charset="0"/>
-            </a:endParaRPr>
-          </a:p>
-          <a:p>
-            <a:pPr marL="254000" indent="254000" algn="l" fontAlgn="auto" defTabSz="914400" eaLnBrk="0">
-              <a:lnSpc>
-                <a:spcPct val="90000"/>
-              </a:lnSpc>
-              <a:spcBef>
-                <a:spcPts val="1000"/>
-              </a:spcBef>
-              <a:spcAft>
-                <a:spcPts val="0"/>
-              </a:spcAft>
-              <a:buFontTx/>
-              <a:buNone/>
-            </a:pPr>
-            <a:r>
-              <a:rPr lang="en-US" altLang="ko-KR" sz="1800" cap="none" dirty="0" smtClean="0" b="0" strike="noStrike">
-                <a:solidFill>
-                  <a:schemeClr val="tx1">
-                    <a:lumMod val="75000"/>
-                    <a:lumOff val="25000"/>
-                  </a:schemeClr>
-                </a:solidFill>
-                <a:latin typeface="맑은 고딕" charset="0"/>
-                <a:ea typeface="맑은 고딕" charset="0"/>
-              </a:rPr>
-              <a:t>1. 안정성(신뢰할 수 있는 브랜드, 과전류 방지 회로가 있는가?)</a:t>
-            </a:r>
-            <a:endParaRPr lang="ko-KR" altLang="en-US" sz="1800" cap="none" dirty="0" smtClean="0" b="0" strike="noStrike">
-              <a:solidFill>
-                <a:schemeClr val="tx1">
-                  <a:lumMod val="75000"/>
-                  <a:lumOff val="25000"/>
-                </a:schemeClr>
-              </a:solidFill>
-              <a:latin typeface="맑은 고딕" charset="0"/>
-              <a:ea typeface="맑은 고딕" charset="0"/>
-            </a:endParaRPr>
-          </a:p>
-          <a:p>
-            <a:pPr marL="254000" indent="254000" algn="l" fontAlgn="auto" defTabSz="914400" eaLnBrk="0">
-              <a:lnSpc>
-                <a:spcPct val="90000"/>
-              </a:lnSpc>
-              <a:spcBef>
-                <a:spcPts val="1000"/>
-              </a:spcBef>
-              <a:spcAft>
-                <a:spcPts val="0"/>
-              </a:spcAft>
-              <a:buFontTx/>
-              <a:buNone/>
-            </a:pPr>
-            <a:r>
-              <a:rPr lang="en-US" altLang="ko-KR" sz="1800" cap="none" dirty="0" smtClean="0" b="0" strike="noStrike">
-                <a:solidFill>
-                  <a:schemeClr val="tx1">
-                    <a:lumMod val="75000"/>
-                    <a:lumOff val="25000"/>
-                  </a:schemeClr>
-                </a:solidFill>
-                <a:latin typeface="맑은 고딕" charset="0"/>
-                <a:ea typeface="맑은 고딕" charset="0"/>
-              </a:rPr>
-              <a:t>2. 효율(80 PLUS 인증)</a:t>
-            </a:r>
-            <a:endParaRPr lang="ko-KR" altLang="en-US" sz="1800" cap="none" dirty="0" smtClean="0" b="0" strike="noStrike">
-              <a:solidFill>
-                <a:schemeClr val="tx1">
-                  <a:lumMod val="75000"/>
-                  <a:lumOff val="25000"/>
-                </a:schemeClr>
-              </a:solidFill>
-              <a:latin typeface="맑은 고딕" charset="0"/>
-              <a:ea typeface="맑은 고딕" charset="0"/>
-            </a:endParaRPr>
-          </a:p>
-          <a:p>
-            <a:pPr marL="228600" indent="-228600" algn="l" fontAlgn="auto" defTabSz="914400" eaLnBrk="0">
-              <a:lnSpc>
-                <a:spcPct val="90000"/>
-              </a:lnSpc>
-              <a:spcBef>
-                <a:spcPts val="1000"/>
-              </a:spcBef>
-              <a:spcAft>
-                <a:spcPts val="0"/>
-              </a:spcAft>
-              <a:buClr>
-                <a:srgbClr val="404040"/>
-              </a:buClr>
-              <a:buFont typeface="맑은 고딕"/>
-              <a:buChar char="•"/>
-            </a:pPr>
-            <a:r>
-              <a:rPr lang="en-US" altLang="ko-KR" sz="1800" cap="none" dirty="0" smtClean="0" b="0" strike="noStrike">
-                <a:solidFill>
-                  <a:schemeClr val="tx1">
-                    <a:lumMod val="75000"/>
-                    <a:lumOff val="25000"/>
-                  </a:schemeClr>
-                </a:solidFill>
-                <a:latin typeface="맑은 고딕" charset="0"/>
-                <a:ea typeface="맑은 고딕" charset="0"/>
-              </a:rPr>
-              <a:t>케이스</a:t>
-            </a:r>
-            <a:endParaRPr lang="ko-KR" altLang="en-US" sz="1800" cap="none" dirty="0" smtClean="0" b="0" strike="noStrike">
-              <a:solidFill>
-                <a:schemeClr val="tx1">
-                  <a:lumMod val="75000"/>
-                  <a:lumOff val="25000"/>
-                </a:schemeClr>
-              </a:solidFill>
-              <a:latin typeface="맑은 고딕" charset="0"/>
-              <a:ea typeface="맑은 고딕" charset="0"/>
-            </a:endParaRPr>
-          </a:p>
-          <a:p>
-            <a:pPr marL="457200" indent="0" algn="l" fontAlgn="auto" defTabSz="914400" eaLnBrk="0">
-              <a:lnSpc>
-                <a:spcPct val="90000"/>
-              </a:lnSpc>
-              <a:spcBef>
-                <a:spcPts val="1000"/>
-              </a:spcBef>
-              <a:spcAft>
-                <a:spcPts val="0"/>
-              </a:spcAft>
-              <a:buFontTx/>
-              <a:buNone/>
-            </a:pPr>
-            <a:r>
-              <a:rPr lang="en-US" altLang="ko-KR" sz="1800" cap="none" dirty="0" smtClean="0" b="0" strike="noStrike">
-                <a:solidFill>
-                  <a:schemeClr val="tx1">
-                    <a:lumMod val="75000"/>
-                    <a:lumOff val="25000"/>
-                  </a:schemeClr>
-                </a:solidFill>
-                <a:latin typeface="맑은 고딕" charset="0"/>
-                <a:ea typeface="맑은 고딕" charset="0"/>
-              </a:rPr>
-              <a:t>1. 케이스 크기(폭, 높이, 깊이)</a:t>
-            </a:r>
-            <a:endParaRPr lang="ko-KR" altLang="en-US" sz="1800" cap="none" dirty="0" smtClean="0" b="0" strike="noStrike">
-              <a:solidFill>
-                <a:schemeClr val="tx1">
-                  <a:lumMod val="75000"/>
-                  <a:lumOff val="25000"/>
-                </a:schemeClr>
-              </a:solidFill>
-              <a:latin typeface="맑은 고딕" charset="0"/>
-              <a:ea typeface="맑은 고딕" charset="0"/>
-            </a:endParaRPr>
-          </a:p>
-          <a:p>
-            <a:pPr marL="457200" indent="0" algn="l" fontAlgn="auto" defTabSz="914400" eaLnBrk="0">
-              <a:lnSpc>
-                <a:spcPct val="90000"/>
-              </a:lnSpc>
-              <a:spcBef>
-                <a:spcPts val="1000"/>
-              </a:spcBef>
-              <a:spcAft>
-                <a:spcPts val="0"/>
-              </a:spcAft>
-              <a:buFontTx/>
-              <a:buNone/>
-            </a:pPr>
-            <a:r>
-              <a:rPr lang="en-US" altLang="ko-KR" sz="1800" cap="none" dirty="0" smtClean="0" b="0" strike="noStrike">
-                <a:solidFill>
-                  <a:schemeClr val="tx1">
-                    <a:lumMod val="75000"/>
-                    <a:lumOff val="25000"/>
-                  </a:schemeClr>
-                </a:solidFill>
-                <a:latin typeface="맑은 고딕" charset="0"/>
-                <a:ea typeface="맑은 고딕" charset="0"/>
-              </a:rPr>
-              <a:t>2. 용도(저소음 or 쿨링)</a:t>
-            </a:r>
-            <a:endParaRPr lang="ko-KR" altLang="en-US" sz="1800" cap="none" dirty="0" smtClean="0" b="0" strike="noStrike">
-              <a:solidFill>
-                <a:schemeClr val="tx1">
-                  <a:lumMod val="75000"/>
-                  <a:lumOff val="25000"/>
-                </a:schemeClr>
-              </a:solidFill>
-              <a:latin typeface="맑은 고딕" charset="0"/>
-              <a:ea typeface="맑은 고딕" charset="0"/>
-            </a:endParaRPr>
-          </a:p>
-          <a:p>
-            <a:pPr marL="228600" indent="-228600" algn="l" fontAlgn="auto" defTabSz="914400" eaLnBrk="0">
-              <a:lnSpc>
-                <a:spcPct val="90000"/>
-              </a:lnSpc>
-              <a:spcBef>
-                <a:spcPts val="1000"/>
-              </a:spcBef>
-              <a:spcAft>
-                <a:spcPts val="0"/>
-              </a:spcAft>
-              <a:buClr>
-                <a:srgbClr val="404040"/>
-              </a:buClr>
-              <a:buFont typeface="맑은 고딕"/>
-              <a:buChar char="•"/>
-            </a:pPr>
-            <a:r>
-              <a:rPr lang="en-US" altLang="ko-KR" sz="1800" cap="none" dirty="0" smtClean="0" b="0" strike="noStrike">
-                <a:solidFill>
-                  <a:schemeClr val="tx1">
-                    <a:lumMod val="75000"/>
-                    <a:lumOff val="25000"/>
-                  </a:schemeClr>
-                </a:solidFill>
-                <a:latin typeface="맑은 고딕" charset="0"/>
-                <a:ea typeface="맑은 고딕" charset="0"/>
-              </a:rPr>
-              <a:t>쿨러</a:t>
-            </a:r>
-            <a:endParaRPr lang="ko-KR" altLang="en-US" sz="1800" cap="none" dirty="0" smtClean="0" b="0" strike="noStrike">
-              <a:solidFill>
-                <a:schemeClr val="tx1">
-                  <a:lumMod val="75000"/>
-                  <a:lumOff val="25000"/>
-                </a:schemeClr>
-              </a:solidFill>
-              <a:latin typeface="맑은 고딕" charset="0"/>
-              <a:ea typeface="맑은 고딕" charset="0"/>
-            </a:endParaRPr>
-          </a:p>
-          <a:p>
-            <a:pPr marL="457200" indent="0" algn="l" fontAlgn="auto" defTabSz="914400" eaLnBrk="0">
-              <a:lnSpc>
-                <a:spcPct val="90000"/>
-              </a:lnSpc>
-              <a:spcBef>
-                <a:spcPts val="1000"/>
-              </a:spcBef>
-              <a:spcAft>
-                <a:spcPts val="0"/>
-              </a:spcAft>
-              <a:buFontTx/>
-              <a:buNone/>
-            </a:pPr>
-            <a:r>
-              <a:rPr lang="en-US" altLang="ko-KR" sz="1800" cap="none" dirty="0" smtClean="0" b="0" strike="noStrike">
-                <a:solidFill>
-                  <a:schemeClr val="tx1">
-                    <a:lumMod val="75000"/>
-                    <a:lumOff val="25000"/>
-                  </a:schemeClr>
-                </a:solidFill>
-                <a:latin typeface="맑은 고딕" charset="0"/>
-                <a:ea typeface="맑은 고딕" charset="0"/>
-              </a:rPr>
-              <a:t>1. 풍압</a:t>
-            </a:r>
-            <a:endParaRPr lang="ko-KR" altLang="en-US" sz="1800" cap="none" dirty="0" smtClean="0" b="0" strike="noStrike">
-              <a:solidFill>
-                <a:schemeClr val="tx1">
-                  <a:lumMod val="75000"/>
-                  <a:lumOff val="25000"/>
-                </a:schemeClr>
-              </a:solidFill>
-              <a:latin typeface="맑은 고딕" charset="0"/>
-              <a:ea typeface="맑은 고딕" charset="0"/>
-            </a:endParaRPr>
-          </a:p>
-          <a:p>
-            <a:pPr marL="457200" indent="0" algn="l" fontAlgn="auto" defTabSz="914400" eaLnBrk="0">
-              <a:lnSpc>
-                <a:spcPct val="90000"/>
-              </a:lnSpc>
-              <a:spcBef>
-                <a:spcPts val="1000"/>
-              </a:spcBef>
-              <a:spcAft>
-                <a:spcPts val="0"/>
-              </a:spcAft>
-              <a:buFontTx/>
-              <a:buNone/>
-            </a:pPr>
-            <a:r>
-              <a:rPr lang="en-US" altLang="ko-KR" sz="1800" cap="none" dirty="0" smtClean="0" b="0" strike="noStrike">
-                <a:solidFill>
-                  <a:schemeClr val="tx1">
-                    <a:lumMod val="75000"/>
-                    <a:lumOff val="25000"/>
-                  </a:schemeClr>
-                </a:solidFill>
-                <a:latin typeface="맑은 고딕" charset="0"/>
-                <a:ea typeface="맑은 고딕" charset="0"/>
-              </a:rPr>
-              <a:t>2. 소음</a:t>
-            </a:r>
-            <a:endParaRPr lang="ko-KR" altLang="en-US" sz="1800" cap="none" dirty="0" smtClean="0" b="0" strike="noStrike">
-              <a:solidFill>
-                <a:schemeClr val="tx1">
-                  <a:lumMod val="75000"/>
-                  <a:lumOff val="25000"/>
-                </a:schemeClr>
-              </a:solidFill>
-              <a:latin typeface="맑은 고딕" charset="0"/>
-              <a:ea typeface="맑은 고딕" charset="0"/>
-            </a:endParaRPr>
-          </a:p>
-        </p:txBody>
-      </p:sp>
-    </p:spTree>
-  </p:cSld>
-  <p:clrMapOvr>
-    <a:masterClrMapping/>
-  </p:clrMapOvr>
-  <mc:AlternateContent xmlns:mc="http://schemas.openxmlformats.org/markup-compatibility/2006">
-    <mc:Choice xmlns:p14="http://schemas.microsoft.com/office/powerpoint/2010/main" Requires="p14">
-      <p:transition spd="slow" p14:dur="1000"/>
-    </mc:Choice>
-    <mc:Fallback>
-      <p:transition spd="slow"/>
-    </mc:Fallback>
-  </mc:AlternateContent>
-  <p:timing>
-    <p:tnLst>
-      <p:par>
-        <p:cTn id="1" dur="indefinite" restart="never" nodeType="tmRoot"/>
-      </p:par>
-    </p:tnLst>
-  </p:timing>
-</p:sld>
-</file>
-
-<file path=ppt/slides/slide9.xml><?xml version="1.0" encoding="utf-8"?>
-<p:sld xmlns:a="http://schemas.openxmlformats.org/drawingml/2006/main" xmlns:r="http://schemas.openxmlformats.org/officeDocument/2006/relationships" xmlns:p="http://schemas.openxmlformats.org/presentationml/2006/main">
-  <p:cSld>
-    <p:spTree>
-      <p:nvGrpSpPr>
-        <p:cNvPr id="1" name=""/>
-        <p:cNvGrpSpPr/>
-        <p:nvPr/>
-      </p:nvGrpSpPr>
-      <p:grpSpPr>
-        <a:xfrm>
-          <a:off x="0" y="0"/>
-          <a:ext cx="0" cy="0"/>
-          <a:chOff x="0" y="0"/>
-          <a:chExt cx="0" cy="0"/>
-        </a:xfrm>
-      </p:grpSpPr>
-      <p:sp>
-        <p:nvSpPr>
-          <p:cNvPr id="3" name="내용 개체 틀 2"/>
-          <p:cNvSpPr txBox="1">
-            <a:spLocks/>
-          </p:cNvSpPr>
-          <p:nvPr>
-            <p:ph type="obj" idx="1"/>
-          </p:nvPr>
-        </p:nvSpPr>
-        <p:spPr>
-          <a:xfrm rot="0">
-            <a:off x="838200" y="347980"/>
-            <a:ext cx="10516870" cy="5830570"/>
-          </a:xfrm>
-          <a:prstGeom prst="rect"/>
-        </p:spPr>
-        <p:txBody>
-          <a:bodyPr wrap="square" lIns="91440" tIns="45720" rIns="91440" bIns="45720" vert="horz" anchor="t">
-            <a:normAutofit fontScale="100000" lnSpcReduction="0"/>
-          </a:bodyPr>
-          <a:lstStyle/>
-          <a:p>
-            <a:pPr marL="228600" indent="-228600" algn="l" fontAlgn="auto" defTabSz="914400" eaLnBrk="0">
-              <a:lnSpc>
-                <a:spcPct val="90000"/>
-              </a:lnSpc>
-              <a:spcBef>
-                <a:spcPts val="1000"/>
-              </a:spcBef>
-              <a:spcAft>
-                <a:spcPts val="0"/>
-              </a:spcAft>
-              <a:buClr>
-                <a:srgbClr val="404040"/>
-              </a:buClr>
-              <a:buFont typeface="맑은 고딕"/>
-              <a:buChar char="•"/>
-            </a:pPr>
-            <a:r>
-              <a:rPr lang="en-US" altLang="ko-KR" sz="2800" cap="none" dirty="0" smtClean="0" b="0" strike="noStrike">
-                <a:solidFill>
-                  <a:schemeClr val="tx1">
-                    <a:lumMod val="75000"/>
-                    <a:lumOff val="25000"/>
-                  </a:schemeClr>
-                </a:solidFill>
-                <a:latin typeface="맑은 고딕" charset="0"/>
-                <a:ea typeface="맑은 고딕" charset="0"/>
-              </a:rPr>
-              <a:t>벤치마크 점수가 있는 경우</a:t>
-            </a:r>
-            <a:endParaRPr lang="ko-KR" altLang="en-US" sz="2800" cap="none" dirty="0" smtClean="0" b="0" strike="noStrike">
-              <a:solidFill>
-                <a:schemeClr val="tx1">
-                  <a:lumMod val="75000"/>
-                  <a:lumOff val="25000"/>
-                </a:schemeClr>
-              </a:solidFill>
-              <a:latin typeface="맑은 고딕" charset="0"/>
-              <a:ea typeface="맑은 고딕" charset="0"/>
-            </a:endParaRPr>
-          </a:p>
-          <a:p>
-            <a:pPr marL="0" indent="0" algn="l" fontAlgn="auto" defTabSz="914400" eaLnBrk="0">
-              <a:lnSpc>
-                <a:spcPct val="90000"/>
-              </a:lnSpc>
-              <a:spcBef>
-                <a:spcPts val="1000"/>
-              </a:spcBef>
-              <a:spcAft>
-                <a:spcPts val="0"/>
-              </a:spcAft>
-              <a:buFontTx/>
-              <a:buNone/>
-            </a:pPr>
-            <a:r>
-              <a:rPr lang="en-US" altLang="ko-KR" sz="2800" cap="none" dirty="0" smtClean="0" b="0" strike="noStrike">
-                <a:solidFill>
-                  <a:schemeClr val="tx1">
-                    <a:lumMod val="75000"/>
-                    <a:lumOff val="25000"/>
-                  </a:schemeClr>
-                </a:solidFill>
-                <a:latin typeface="맑은 고딕" charset="0"/>
-                <a:ea typeface="맑은 고딕" charset="0"/>
-              </a:rPr>
-              <a:t>MAX(벤치마크 점수/가격)</a:t>
-            </a:r>
-            <a:endParaRPr lang="ko-KR" altLang="en-US" sz="2800" cap="none" dirty="0" smtClean="0" b="0" strike="noStrike">
-              <a:solidFill>
-                <a:schemeClr val="tx1">
-                  <a:lumMod val="75000"/>
-                  <a:lumOff val="25000"/>
-                </a:schemeClr>
-              </a:solidFill>
-              <a:latin typeface="맑은 고딕" charset="0"/>
-              <a:ea typeface="맑은 고딕" charset="0"/>
-            </a:endParaRPr>
-          </a:p>
-          <a:p>
-            <a:pPr marL="0" indent="0" algn="l" fontAlgn="auto" defTabSz="914400" eaLnBrk="0">
-              <a:lnSpc>
-                <a:spcPct val="90000"/>
-              </a:lnSpc>
-              <a:spcBef>
-                <a:spcPts val="1000"/>
-              </a:spcBef>
-              <a:spcAft>
-                <a:spcPts val="0"/>
-              </a:spcAft>
-              <a:buFontTx/>
-              <a:buNone/>
-            </a:pPr>
-            <a:r>
-              <a:rPr lang="en-US" altLang="ko-KR" sz="2000" cap="none" dirty="0" smtClean="0" b="0" strike="noStrike">
-                <a:solidFill>
-                  <a:schemeClr val="tx1">
-                    <a:lumMod val="75000"/>
-                    <a:lumOff val="25000"/>
-                  </a:schemeClr>
-                </a:solidFill>
-                <a:latin typeface="맑은 고딕" charset="0"/>
-                <a:ea typeface="맑은 고딕" charset="0"/>
-              </a:rPr>
-              <a:t>(단 벤치마크 점수는 사용자가 원하는 성능 이상)</a:t>
-            </a:r>
-            <a:endParaRPr lang="ko-KR" altLang="en-US" sz="2000" cap="none" dirty="0" smtClean="0" b="0" strike="noStrike">
-              <a:solidFill>
-                <a:schemeClr val="tx1">
-                  <a:lumMod val="75000"/>
-                  <a:lumOff val="25000"/>
-                </a:schemeClr>
-              </a:solidFill>
-              <a:latin typeface="맑은 고딕" charset="0"/>
-              <a:ea typeface="맑은 고딕" charset="0"/>
-            </a:endParaRPr>
-          </a:p>
-          <a:p>
-            <a:pPr marL="0" indent="0" algn="l" fontAlgn="auto" defTabSz="914400" eaLnBrk="0">
-              <a:lnSpc>
-                <a:spcPct val="90000"/>
-              </a:lnSpc>
-              <a:spcBef>
-                <a:spcPts val="1000"/>
-              </a:spcBef>
-              <a:spcAft>
-                <a:spcPts val="0"/>
-              </a:spcAft>
-              <a:buFontTx/>
-              <a:buNone/>
-            </a:pPr>
-            <a:endParaRPr lang="ko-KR" altLang="en-US" sz="2800" cap="none" dirty="0" smtClean="0" b="0" strike="noStrike">
-              <a:solidFill>
-                <a:schemeClr val="tx1">
-                  <a:lumMod val="75000"/>
-                  <a:lumOff val="25000"/>
-                </a:schemeClr>
-              </a:solidFill>
-              <a:latin typeface="맑은 고딕" charset="0"/>
-              <a:ea typeface="맑은 고딕" charset="0"/>
-            </a:endParaRPr>
-          </a:p>
-          <a:p>
-            <a:pPr marL="0" indent="0" algn="l" fontAlgn="auto" defTabSz="914400" eaLnBrk="0">
-              <a:lnSpc>
-                <a:spcPct val="90000"/>
-              </a:lnSpc>
-              <a:spcBef>
-                <a:spcPts val="1000"/>
-              </a:spcBef>
-              <a:spcAft>
-                <a:spcPts val="0"/>
-              </a:spcAft>
-              <a:buFontTx/>
-              <a:buNone/>
-            </a:pPr>
-            <a:endParaRPr lang="ko-KR" altLang="en-US" sz="2800" cap="none" dirty="0" smtClean="0" b="0" strike="noStrike">
-              <a:solidFill>
-                <a:schemeClr val="tx1">
-                  <a:lumMod val="75000"/>
-                  <a:lumOff val="25000"/>
-                </a:schemeClr>
-              </a:solidFill>
-              <a:latin typeface="맑은 고딕" charset="0"/>
-              <a:ea typeface="맑은 고딕" charset="0"/>
-            </a:endParaRPr>
-          </a:p>
-          <a:p>
-            <a:pPr marL="228600" indent="-228600" algn="l" fontAlgn="auto" defTabSz="914400" eaLnBrk="0">
-              <a:lnSpc>
-                <a:spcPct val="90000"/>
-              </a:lnSpc>
-              <a:spcBef>
-                <a:spcPts val="1000"/>
-              </a:spcBef>
-              <a:spcAft>
-                <a:spcPts val="0"/>
-              </a:spcAft>
-              <a:buClr>
-                <a:srgbClr val="404040"/>
-              </a:buClr>
-              <a:buFont typeface="맑은 고딕"/>
-              <a:buChar char="•"/>
-            </a:pPr>
-            <a:r>
-              <a:rPr lang="en-US" altLang="ko-KR" sz="2800" cap="none" dirty="0" smtClean="0" b="0" strike="noStrike">
-                <a:solidFill>
-                  <a:schemeClr val="tx1">
-                    <a:lumMod val="75000"/>
-                    <a:lumOff val="25000"/>
-                  </a:schemeClr>
-                </a:solidFill>
-                <a:latin typeface="맑은 고딕" charset="0"/>
-                <a:ea typeface="맑은 고딕" charset="0"/>
-              </a:rPr>
-              <a:t>벤치마크 점수가 없는 경우</a:t>
-            </a:r>
-            <a:endParaRPr lang="ko-KR" altLang="en-US" sz="2800" cap="none" dirty="0" smtClean="0" b="0" strike="noStrike">
-              <a:solidFill>
-                <a:schemeClr val="tx1">
-                  <a:lumMod val="75000"/>
-                  <a:lumOff val="25000"/>
-                </a:schemeClr>
-              </a:solidFill>
-              <a:latin typeface="맑은 고딕" charset="0"/>
-              <a:ea typeface="맑은 고딕" charset="0"/>
-            </a:endParaRPr>
-          </a:p>
-          <a:p>
-            <a:pPr marL="0" indent="0" algn="l" fontAlgn="auto" defTabSz="914400" eaLnBrk="0">
-              <a:lnSpc>
-                <a:spcPct val="90000"/>
-              </a:lnSpc>
-              <a:spcBef>
-                <a:spcPts val="1000"/>
-              </a:spcBef>
-              <a:spcAft>
-                <a:spcPts val="0"/>
-              </a:spcAft>
-              <a:buFontTx/>
-              <a:buNone/>
-            </a:pPr>
-            <a:r>
-              <a:rPr lang="en-US" altLang="ko-KR" sz="2800" cap="none" dirty="0" smtClean="0" b="0" strike="noStrike">
-                <a:solidFill>
-                  <a:schemeClr val="tx1">
-                    <a:lumMod val="75000"/>
-                    <a:lumOff val="25000"/>
-                  </a:schemeClr>
-                </a:solidFill>
-                <a:latin typeface="맑은 고딕" charset="0"/>
-                <a:ea typeface="맑은 고딕" charset="0"/>
-              </a:rPr>
-              <a:t>기억장치 : MAX(용량*(읽기 속도 + 쓰기 속도)*AS 기간/가격)</a:t>
-            </a:r>
-            <a:endParaRPr lang="ko-KR" altLang="en-US" sz="2800" cap="none" dirty="0" smtClean="0" b="0" strike="noStrike">
-              <a:solidFill>
-                <a:schemeClr val="tx1">
-                  <a:lumMod val="75000"/>
-                  <a:lumOff val="25000"/>
-                </a:schemeClr>
-              </a:solidFill>
-              <a:latin typeface="맑은 고딕" charset="0"/>
-              <a:ea typeface="맑은 고딕" charset="0"/>
-            </a:endParaRPr>
-          </a:p>
-          <a:p>
-            <a:pPr marL="0" indent="0" algn="l" fontAlgn="auto" defTabSz="914400" eaLnBrk="0">
-              <a:lnSpc>
-                <a:spcPct val="90000"/>
-              </a:lnSpc>
-              <a:spcBef>
-                <a:spcPts val="1000"/>
-              </a:spcBef>
-              <a:spcAft>
-                <a:spcPts val="0"/>
-              </a:spcAft>
-              <a:buFontTx/>
-              <a:buNone/>
-            </a:pPr>
-            <a:r>
-              <a:rPr lang="en-US" altLang="ko-KR" sz="2800" cap="none" dirty="0" smtClean="0" b="0" strike="noStrike">
-                <a:solidFill>
-                  <a:schemeClr val="tx1">
-                    <a:lumMod val="75000"/>
-                    <a:lumOff val="25000"/>
-                  </a:schemeClr>
-                </a:solidFill>
-                <a:latin typeface="맑은 고딕" charset="0"/>
-                <a:ea typeface="맑은 고딕" charset="0"/>
-              </a:rPr>
-              <a:t>파워서플라이 : 안정성	</a:t>
-            </a:r>
-            <a:r>
-              <a:rPr lang="en-US" altLang="ko-KR" sz="1500" cap="none" dirty="0" smtClean="0" b="0" strike="noStrike">
-                <a:solidFill>
-                  <a:schemeClr val="tx1">
-                    <a:lumMod val="75000"/>
-                    <a:lumOff val="25000"/>
-                  </a:schemeClr>
-                </a:solidFill>
-                <a:latin typeface="맑은 고딕" charset="0"/>
-                <a:ea typeface="맑은 고딕" charset="0"/>
-              </a:rPr>
-              <a:t>(단 파워의 정격 용량은 CPU, GPU 등등 소비전력을 다 더한것보다 크다.)</a:t>
-            </a:r>
-            <a:endParaRPr lang="ko-KR" altLang="en-US" sz="1500" cap="none" dirty="0" smtClean="0" b="0" strike="noStrike">
-              <a:solidFill>
-                <a:schemeClr val="tx1">
-                  <a:lumMod val="75000"/>
-                  <a:lumOff val="25000"/>
-                </a:schemeClr>
-              </a:solidFill>
-              <a:latin typeface="맑은 고딕" charset="0"/>
-              <a:ea typeface="맑은 고딕" charset="0"/>
-            </a:endParaRPr>
-          </a:p>
-          <a:p>
-            <a:pPr marL="0" indent="0" algn="l" fontAlgn="auto" defTabSz="914400" eaLnBrk="0">
-              <a:lnSpc>
-                <a:spcPct val="90000"/>
-              </a:lnSpc>
-              <a:spcBef>
-                <a:spcPts val="1000"/>
-              </a:spcBef>
-              <a:spcAft>
-                <a:spcPts val="0"/>
-              </a:spcAft>
-              <a:buFontTx/>
-              <a:buNone/>
-            </a:pPr>
-            <a:r>
-              <a:rPr lang="en-US" altLang="ko-KR" sz="2800" cap="none" dirty="0" smtClean="0" b="0" strike="noStrike">
-                <a:solidFill>
-                  <a:schemeClr val="tx1">
-                    <a:lumMod val="75000"/>
-                    <a:lumOff val="25000"/>
-                  </a:schemeClr>
-                </a:solidFill>
-                <a:latin typeface="맑은 고딕" charset="0"/>
-                <a:ea typeface="맑은 고딕" charset="0"/>
-              </a:rPr>
-              <a:t>케이스 : 저소음 or 쿨링</a:t>
-            </a:r>
-            <a:r>
-              <a:rPr lang="en-US" altLang="ko-KR" sz="1500" cap="none" dirty="0" smtClean="0" b="0" strike="noStrike">
-                <a:solidFill>
-                  <a:schemeClr val="tx1">
-                    <a:lumMod val="75000"/>
-                    <a:lumOff val="25000"/>
-                  </a:schemeClr>
-                </a:solidFill>
-                <a:latin typeface="맑은 고딕" charset="0"/>
-                <a:ea typeface="맑은 고딕" charset="0"/>
-              </a:rPr>
-              <a:t>(단 크기는 메인보드와 CPU 쿨러, GPU등 모든 부품이 들어갈 수 있어야 함)</a:t>
-            </a:r>
-            <a:endParaRPr lang="ko-KR" altLang="en-US" sz="1500" cap="none" dirty="0" smtClean="0" b="0" strike="noStrike">
-              <a:solidFill>
-                <a:schemeClr val="tx1">
-                  <a:lumMod val="75000"/>
-                  <a:lumOff val="25000"/>
-                </a:schemeClr>
-              </a:solidFill>
-              <a:latin typeface="맑은 고딕" charset="0"/>
-              <a:ea typeface="맑은 고딕" charset="0"/>
-            </a:endParaRPr>
-          </a:p>
-          <a:p>
-            <a:pPr marL="0" indent="0" algn="l" fontAlgn="auto" defTabSz="914400" eaLnBrk="0">
-              <a:lnSpc>
-                <a:spcPct val="90000"/>
-              </a:lnSpc>
-              <a:spcBef>
-                <a:spcPts val="1000"/>
-              </a:spcBef>
-              <a:spcAft>
-                <a:spcPts val="0"/>
-              </a:spcAft>
-              <a:buFontTx/>
-              <a:buNone/>
-            </a:pPr>
-            <a:r>
-              <a:rPr lang="en-US" altLang="ko-KR" sz="2800" cap="none" dirty="0" smtClean="0" b="0" strike="noStrike">
-                <a:solidFill>
-                  <a:schemeClr val="tx1">
-                    <a:lumMod val="75000"/>
-                    <a:lumOff val="25000"/>
-                  </a:schemeClr>
-                </a:solidFill>
-                <a:latin typeface="맑은 고딕" charset="0"/>
-                <a:ea typeface="맑은 고딕" charset="0"/>
-              </a:rPr>
-              <a:t>쿨러 : 풍압/소음 발생(dBA)</a:t>
-            </a:r>
-            <a:endParaRPr lang="ko-KR" altLang="en-US" sz="2800" cap="none" dirty="0" smtClean="0" b="0" strike="noStrike">
-              <a:solidFill>
-                <a:schemeClr val="tx1">
-                  <a:lumMod val="75000"/>
-                  <a:lumOff val="25000"/>
-                </a:schemeClr>
-              </a:solidFill>
-              <a:latin typeface="맑은 고딕" charset="0"/>
-              <a:ea typeface="맑은 고딕" charset="0"/>
-            </a:endParaRPr>
-          </a:p>
-        </p:txBody>
-      </p:sp>
-      <p:sp>
-        <p:nvSpPr>
-          <p:cNvPr id="6" name="텍스트 상자 5"/>
-          <p:cNvSpPr txBox="1">
-            <a:spLocks/>
-          </p:cNvSpPr>
-          <p:nvPr/>
-        </p:nvSpPr>
-        <p:spPr>
-          <a:xfrm rot="0">
-            <a:off x="3810000" y="2286000"/>
-            <a:ext cx="4572635" cy="431165"/>
-          </a:xfrm>
-          <a:prstGeom prst="rect"/>
-          <a:noFill/>
-        </p:spPr>
-        <p:txBody>
-          <a:bodyPr wrap="square" lIns="0" tIns="0" rIns="0" bIns="0" vert="horz" anchor="t">
-            <a:noAutofit/>
-          </a:bodyPr>
-          <a:lstStyle/>
-          <a:p>
-            <a:pPr marL="0" indent="0" algn="just" fontAlgn="auto" defTabSz="508000">
-              <a:lnSpc>
-                <a:spcPct val="100000"/>
-              </a:lnSpc>
-              <a:spcBef>
-                <a:spcPts val="0"/>
-              </a:spcBef>
-              <a:spcAft>
-                <a:spcPts val="0"/>
-              </a:spcAft>
-              <a:buFontTx/>
-              <a:buNone/>
-            </a:pPr>
-            <a:endParaRPr lang="ko-KR" altLang="en-US" sz="1000" cap="none" dirty="0" smtClean="0" b="0" strike="noStrike">
-              <a:latin typeface="맑은 고딕" charset="0"/>
-              <a:ea typeface="맑은 고딕" charset="0"/>
-            </a:endParaRPr>
-          </a:p>
-          <a:p>
-            <a:pPr marL="0" indent="0" algn="l" fontAlgn="auto" defTabSz="508000">
-              <a:lnSpc>
-                <a:spcPct val="100000"/>
-              </a:lnSpc>
-              <a:spcBef>
-                <a:spcPts val="0"/>
-              </a:spcBef>
-              <a:spcAft>
-                <a:spcPts val="0"/>
-              </a:spcAft>
-              <a:buFontTx/>
-              <a:buNone/>
-            </a:pPr>
-            <a:endParaRPr lang="ko-KR" altLang="en-US" sz="1800" cap="none" dirty="0" smtClean="0" b="0" strike="noStrike">
-              <a:latin typeface="맑은 고딕" charset="0"/>
-              <a:ea typeface="맑은 고딕" charset="0"/>
-            </a:endParaRPr>
-          </a:p>
-        </p:txBody>
-      </p:sp>
-    </p:spTree>
-  </p:cSld>
-  <p:clrMapOvr>
-    <a:masterClrMapping/>
-  </p:clrMapOvr>
-  <mc:AlternateContent xmlns:mc="http://schemas.openxmlformats.org/markup-compatibility/2006">
-    <mc:Choice xmlns:p14="http://schemas.microsoft.com/office/powerpoint/2010/main" Requires="p14">
-      <p:transition spd="slow" p14:dur="1000"/>
-    </mc:Choice>
-    <mc:Fallback>
-      <p:transition spd="slow"/>
-    </mc:Fallback>
-  </mc:AlternateContent>
 </p:sld>
 </file>
 
